--- a/Calendario2021/Ejercicios/Ejercicio15/Ejer15_VLANs_DHCP_NAT_PAT.pptx
+++ b/Calendario2021/Ejercicios/Ejercicio15/Ejer15_VLANs_DHCP_NAT_PAT.pptx
@@ -5,7 +5,7 @@
     <p:sldMasterId id="2147483648" r:id="rId1"/>
   </p:sldMasterIdLst>
   <p:notesMasterIdLst>
-    <p:notesMasterId r:id="rId8"/>
+    <p:notesMasterId r:id="rId10"/>
   </p:notesMasterIdLst>
   <p:sldIdLst>
     <p:sldId id="256" r:id="rId2"/>
@@ -14,6 +14,8 @@
     <p:sldId id="259" r:id="rId5"/>
     <p:sldId id="260" r:id="rId6"/>
     <p:sldId id="261" r:id="rId7"/>
+    <p:sldId id="326" r:id="rId8"/>
+    <p:sldId id="335" r:id="rId9"/>
   </p:sldIdLst>
   <p:sldSz cx="12192000" cy="6858000"/>
   <p:notesSz cx="12192000" cy="6858000"/>
@@ -532,6 +534,90 @@
 </p:notes>
 </file>
 
+<file path=ppt/notesSlides/notesSlide7.xml><?xml version="1.0" encoding="utf-8"?>
+<p:notes xmlns:a="http://schemas.openxmlformats.org/drawingml/2006/main" xmlns:r="http://schemas.openxmlformats.org/officeDocument/2006/relationships" xmlns:p="http://schemas.openxmlformats.org/presentationml/2006/main">
+  <p:cSld>
+    <p:spTree>
+      <p:nvGrpSpPr>
+        <p:cNvPr id="1" name=""/>
+        <p:cNvGrpSpPr/>
+        <p:nvPr/>
+      </p:nvGrpSpPr>
+      <p:grpSpPr>
+        <a:xfrm>
+          <a:off x="0" y="0"/>
+          <a:ext cx="0" cy="0"/>
+          <a:chOff x="0" y="0"/>
+          <a:chExt cx="0" cy="0"/>
+        </a:xfrm>
+      </p:grpSpPr>
+      <p:sp>
+        <p:nvSpPr>
+          <p:cNvPr id="2" name="Marcador de imagen de diapositiva 1"/>
+          <p:cNvSpPr>
+            <a:spLocks noGrp="1" noRot="1" noChangeAspect="1"/>
+          </p:cNvSpPr>
+          <p:nvPr>
+            <p:ph type="sldImg"/>
+          </p:nvPr>
+        </p:nvSpPr>
+        <p:spPr/>
+      </p:sp>
+      <p:sp>
+        <p:nvSpPr>
+          <p:cNvPr id="3" name="Marcador de notas 2"/>
+          <p:cNvSpPr>
+            <a:spLocks noGrp="1"/>
+          </p:cNvSpPr>
+          <p:nvPr>
+            <p:ph type="body" idx="1"/>
+          </p:nvPr>
+        </p:nvSpPr>
+        <p:spPr/>
+        <p:txBody>
+          <a:bodyPr/>
+          <a:lstStyle/>
+          <a:p>
+            <a:endParaRPr lang="es-MX" dirty="0"/>
+          </a:p>
+        </p:txBody>
+      </p:sp>
+      <p:sp>
+        <p:nvSpPr>
+          <p:cNvPr id="4" name="Marcador de número de diapositiva 3"/>
+          <p:cNvSpPr>
+            <a:spLocks noGrp="1"/>
+          </p:cNvSpPr>
+          <p:nvPr>
+            <p:ph type="sldNum" sz="quarter" idx="5"/>
+          </p:nvPr>
+        </p:nvSpPr>
+        <p:spPr/>
+        <p:txBody>
+          <a:bodyPr/>
+          <a:lstStyle/>
+          <a:p>
+            <a:fld id="{5993AEC0-242E-4FA7-9D3C-51E1036AC3CB}" type="slidenum">
+              <a:rPr lang="es-MX" smtClean="0"/>
+              <a:t>8</a:t>
+            </a:fld>
+            <a:endParaRPr lang="es-MX" dirty="0"/>
+          </a:p>
+        </p:txBody>
+      </p:sp>
+    </p:spTree>
+    <p:extLst>
+      <p:ext uri="{BB962C8B-B14F-4D97-AF65-F5344CB8AC3E}">
+        <p14:creationId xmlns:p14="http://schemas.microsoft.com/office/powerpoint/2010/main" val="1587583495"/>
+      </p:ext>
+    </p:extLst>
+  </p:cSld>
+  <p:clrMapOvr>
+    <a:masterClrMapping/>
+  </p:clrMapOvr>
+</p:notes>
+</file>
+
 <file path=ppt/slideLayouts/slideLayout1.xml><?xml version="1.0" encoding="utf-8"?>
 <p:sldLayout xmlns:a="http://schemas.openxmlformats.org/drawingml/2006/main" xmlns:r="http://schemas.openxmlformats.org/officeDocument/2006/relationships" xmlns:p="http://schemas.openxmlformats.org/presentationml/2006/main" type="obj" preserve="1">
   <p:cSld name="Title Slide">
@@ -671,7 +757,7 @@
           <a:p>
             <a:fld id="{1D8BD707-D9CF-40AE-B4C6-C98DA3205C09}" type="datetimeFigureOut">
               <a:rPr lang="en-US"/>
-              <a:t>5/10/2021</a:t>
+              <a:t>5/11/2021</a:t>
             </a:fld>
             <a:endParaRPr lang="en-US" dirty="0"/>
           </a:p>
@@ -848,7 +934,7 @@
           <a:p>
             <a:fld id="{1D8BD707-D9CF-40AE-B4C6-C98DA3205C09}" type="datetimeFigureOut">
               <a:rPr lang="en-US"/>
-              <a:t>5/10/2021</a:t>
+              <a:t>5/11/2021</a:t>
             </a:fld>
             <a:endParaRPr lang="en-US" dirty="0"/>
           </a:p>
@@ -1062,7 +1148,7 @@
           <a:p>
             <a:fld id="{1D8BD707-D9CF-40AE-B4C6-C98DA3205C09}" type="datetimeFigureOut">
               <a:rPr lang="en-US"/>
-              <a:t>5/10/2021</a:t>
+              <a:t>5/11/2021</a:t>
             </a:fld>
             <a:endParaRPr lang="en-US" dirty="0"/>
           </a:p>
@@ -1210,7 +1296,7 @@
           <a:p>
             <a:fld id="{1D8BD707-D9CF-40AE-B4C6-C98DA3205C09}" type="datetimeFigureOut">
               <a:rPr lang="en-US"/>
-              <a:t>5/10/2021</a:t>
+              <a:t>5/11/2021</a:t>
             </a:fld>
             <a:endParaRPr lang="en-US" dirty="0"/>
           </a:p>
@@ -1366,7 +1452,7 @@
           <a:p>
             <a:fld id="{1D8BD707-D9CF-40AE-B4C6-C98DA3205C09}" type="datetimeFigureOut">
               <a:rPr lang="en-US"/>
-              <a:t>5/10/2021</a:t>
+              <a:t>5/11/2021</a:t>
             </a:fld>
             <a:endParaRPr lang="en-US" dirty="0"/>
           </a:p>
@@ -1405,6 +1491,116 @@
         </p:txBody>
       </p:sp>
     </p:spTree>
+  </p:cSld>
+  <p:clrMapOvr>
+    <a:masterClrMapping/>
+  </p:clrMapOvr>
+</p:sldLayout>
+</file>
+
+<file path=ppt/slideLayouts/slideLayout6.xml><?xml version="1.0" encoding="utf-8"?>
+<p:sldLayout xmlns:a="http://schemas.openxmlformats.org/drawingml/2006/main" xmlns:r="http://schemas.openxmlformats.org/officeDocument/2006/relationships" xmlns:p="http://schemas.openxmlformats.org/presentationml/2006/main" type="blank">
+  <p:cSld name="En blanco">
+    <p:spTree>
+      <p:nvGrpSpPr>
+        <p:cNvPr id="1" name=""/>
+        <p:cNvGrpSpPr/>
+        <p:nvPr/>
+      </p:nvGrpSpPr>
+      <p:grpSpPr>
+        <a:xfrm>
+          <a:off x="0" y="0"/>
+          <a:ext cx="0" cy="0"/>
+          <a:chOff x="0" y="0"/>
+          <a:chExt cx="0" cy="0"/>
+        </a:xfrm>
+      </p:grpSpPr>
+      <p:sp>
+        <p:nvSpPr>
+          <p:cNvPr id="2" name="1 Marcador de fecha"/>
+          <p:cNvSpPr>
+            <a:spLocks noGrp="1"/>
+          </p:cNvSpPr>
+          <p:nvPr>
+            <p:ph type="dt" sz="half" idx="10"/>
+          </p:nvPr>
+        </p:nvSpPr>
+        <p:spPr>
+          <a:xfrm>
+            <a:off x="609600" y="6377940"/>
+            <a:ext cx="2804160" cy="276999"/>
+          </a:xfrm>
+        </p:spPr>
+        <p:txBody>
+          <a:bodyPr/>
+          <a:lstStyle/>
+          <a:p>
+            <a:fld id="{5E75A0DC-66C6-4CEC-A5EB-F8C97CEC3796}" type="datetimeFigureOut">
+              <a:rPr lang="es-MX" smtClean="0"/>
+              <a:t>11/05/2021</a:t>
+            </a:fld>
+            <a:endParaRPr lang="es-MX" dirty="0"/>
+          </a:p>
+        </p:txBody>
+      </p:sp>
+      <p:sp>
+        <p:nvSpPr>
+          <p:cNvPr id="3" name="2 Marcador de pie de página"/>
+          <p:cNvSpPr>
+            <a:spLocks noGrp="1"/>
+          </p:cNvSpPr>
+          <p:nvPr>
+            <p:ph type="ftr" sz="quarter" idx="11"/>
+          </p:nvPr>
+        </p:nvSpPr>
+        <p:spPr>
+          <a:xfrm>
+            <a:off x="4145280" y="6377940"/>
+            <a:ext cx="3901439" cy="276999"/>
+          </a:xfrm>
+        </p:spPr>
+        <p:txBody>
+          <a:bodyPr/>
+          <a:lstStyle/>
+          <a:p>
+            <a:endParaRPr lang="es-MX" dirty="0"/>
+          </a:p>
+        </p:txBody>
+      </p:sp>
+      <p:sp>
+        <p:nvSpPr>
+          <p:cNvPr id="4" name="3 Marcador de número de diapositiva"/>
+          <p:cNvSpPr>
+            <a:spLocks noGrp="1"/>
+          </p:cNvSpPr>
+          <p:nvPr>
+            <p:ph type="sldNum" sz="quarter" idx="12"/>
+          </p:nvPr>
+        </p:nvSpPr>
+        <p:spPr>
+          <a:xfrm>
+            <a:off x="8778240" y="6377940"/>
+            <a:ext cx="2804160" cy="276999"/>
+          </a:xfrm>
+        </p:spPr>
+        <p:txBody>
+          <a:bodyPr/>
+          <a:lstStyle/>
+          <a:p>
+            <a:fld id="{C077EE1E-7A06-4E7F-9AFB-189FC69B7B0C}" type="slidenum">
+              <a:rPr lang="es-MX" smtClean="0"/>
+              <a:t>‹Nº›</a:t>
+            </a:fld>
+            <a:endParaRPr lang="es-MX" dirty="0"/>
+          </a:p>
+        </p:txBody>
+      </p:sp>
+    </p:spTree>
+    <p:extLst>
+      <p:ext uri="{BB962C8B-B14F-4D97-AF65-F5344CB8AC3E}">
+        <p14:creationId xmlns:p14="http://schemas.microsoft.com/office/powerpoint/2010/main" val="2529193754"/>
+      </p:ext>
+    </p:extLst>
   </p:cSld>
   <p:clrMapOvr>
     <a:masterClrMapping/>
@@ -1591,7 +1787,7 @@
           <a:p>
             <a:fld id="{1D8BD707-D9CF-40AE-B4C6-C98DA3205C09}" type="datetimeFigureOut">
               <a:rPr lang="en-US"/>
-              <a:t>5/10/2021</a:t>
+              <a:t>5/11/2021</a:t>
             </a:fld>
             <a:endParaRPr lang="en-US" dirty="0"/>
           </a:p>
@@ -1648,6 +1844,7 @@
     <p:sldLayoutId id="2147483663" r:id="rId3"/>
     <p:sldLayoutId id="2147483664" r:id="rId4"/>
     <p:sldLayoutId id="2147483665" r:id="rId5"/>
+    <p:sldLayoutId id="2147483666" r:id="rId6"/>
   </p:sldLayoutIdLst>
   <p:txStyles>
     <p:titleStyle>
@@ -10598,6 +10795,2132 @@
   <p:clrMapOvr>
     <a:masterClrMapping/>
   </p:clrMapOvr>
+</p:sld>
+</file>
+
+<file path=ppt/slides/slide7.xml><?xml version="1.0" encoding="utf-8"?>
+<p:sld xmlns:a="http://schemas.openxmlformats.org/drawingml/2006/main" xmlns:r="http://schemas.openxmlformats.org/officeDocument/2006/relationships" xmlns:p="http://schemas.openxmlformats.org/presentationml/2006/main">
+  <p:cSld>
+    <p:spTree>
+      <p:nvGrpSpPr>
+        <p:cNvPr id="1" name=""/>
+        <p:cNvGrpSpPr/>
+        <p:nvPr/>
+      </p:nvGrpSpPr>
+      <p:grpSpPr>
+        <a:xfrm>
+          <a:off x="0" y="0"/>
+          <a:ext cx="0" cy="0"/>
+          <a:chOff x="0" y="0"/>
+          <a:chExt cx="0" cy="0"/>
+        </a:xfrm>
+      </p:grpSpPr>
+      <p:sp>
+        <p:nvSpPr>
+          <p:cNvPr id="35845" name="7 CuadroTexto"/>
+          <p:cNvSpPr txBox="1">
+            <a:spLocks noChangeArrowheads="1"/>
+          </p:cNvSpPr>
+          <p:nvPr/>
+        </p:nvSpPr>
+        <p:spPr bwMode="auto">
+          <a:xfrm>
+            <a:off x="2157840" y="1196752"/>
+            <a:ext cx="7984840" cy="5036700"/>
+          </a:xfrm>
+          <a:prstGeom prst="rect">
+            <a:avLst/>
+          </a:prstGeom>
+          <a:noFill/>
+          <a:ln>
+            <a:noFill/>
+          </a:ln>
+          <a:extLst>
+            <a:ext uri="{909E8E84-426E-40DD-AFC4-6F175D3DCCD1}">
+              <a14:hiddenFill xmlns:a14="http://schemas.microsoft.com/office/drawing/2010/main">
+                <a:solidFill>
+                  <a:srgbClr val="FFFFFF"/>
+                </a:solidFill>
+              </a14:hiddenFill>
+            </a:ext>
+            <a:ext uri="{91240B29-F687-4F45-9708-019B960494DF}">
+              <a14:hiddenLine xmlns:a14="http://schemas.microsoft.com/office/drawing/2010/main" w="9525">
+                <a:solidFill>
+                  <a:srgbClr val="000000"/>
+                </a:solidFill>
+                <a:miter lim="800000"/>
+                <a:headEnd/>
+                <a:tailEnd/>
+              </a14:hiddenLine>
+            </a:ext>
+          </a:extLst>
+        </p:spPr>
+        <p:txBody>
+          <a:bodyPr wrap="square">
+            <a:spAutoFit/>
+          </a:bodyPr>
+          <a:lstStyle>
+            <a:lvl1pPr eaLnBrk="0" hangingPunct="0">
+              <a:defRPr sz="2400">
+                <a:solidFill>
+                  <a:schemeClr val="tx1"/>
+                </a:solidFill>
+                <a:latin typeface="Times New Roman" pitchFamily="18" charset="0"/>
+              </a:defRPr>
+            </a:lvl1pPr>
+            <a:lvl2pPr marL="742950" indent="-285750" eaLnBrk="0" hangingPunct="0">
+              <a:defRPr sz="2400">
+                <a:solidFill>
+                  <a:schemeClr val="tx1"/>
+                </a:solidFill>
+                <a:latin typeface="Times New Roman" pitchFamily="18" charset="0"/>
+              </a:defRPr>
+            </a:lvl2pPr>
+            <a:lvl3pPr marL="1143000" indent="-228600" eaLnBrk="0" hangingPunct="0">
+              <a:defRPr sz="2400">
+                <a:solidFill>
+                  <a:schemeClr val="tx1"/>
+                </a:solidFill>
+                <a:latin typeface="Times New Roman" pitchFamily="18" charset="0"/>
+              </a:defRPr>
+            </a:lvl3pPr>
+            <a:lvl4pPr marL="1600200" indent="-228600" eaLnBrk="0" hangingPunct="0">
+              <a:defRPr sz="2400">
+                <a:solidFill>
+                  <a:schemeClr val="tx1"/>
+                </a:solidFill>
+                <a:latin typeface="Times New Roman" pitchFamily="18" charset="0"/>
+              </a:defRPr>
+            </a:lvl4pPr>
+            <a:lvl5pPr marL="2057400" indent="-228600" eaLnBrk="0" hangingPunct="0">
+              <a:defRPr sz="2400">
+                <a:solidFill>
+                  <a:schemeClr val="tx1"/>
+                </a:solidFill>
+                <a:latin typeface="Times New Roman" pitchFamily="18" charset="0"/>
+              </a:defRPr>
+            </a:lvl5pPr>
+            <a:lvl6pPr marL="2514600" indent="-228600" eaLnBrk="0" fontAlgn="base" hangingPunct="0">
+              <a:spcBef>
+                <a:spcPct val="0"/>
+              </a:spcBef>
+              <a:spcAft>
+                <a:spcPct val="0"/>
+              </a:spcAft>
+              <a:defRPr sz="2400">
+                <a:solidFill>
+                  <a:schemeClr val="tx1"/>
+                </a:solidFill>
+                <a:latin typeface="Times New Roman" pitchFamily="18" charset="0"/>
+              </a:defRPr>
+            </a:lvl6pPr>
+            <a:lvl7pPr marL="2971800" indent="-228600" eaLnBrk="0" fontAlgn="base" hangingPunct="0">
+              <a:spcBef>
+                <a:spcPct val="0"/>
+              </a:spcBef>
+              <a:spcAft>
+                <a:spcPct val="0"/>
+              </a:spcAft>
+              <a:defRPr sz="2400">
+                <a:solidFill>
+                  <a:schemeClr val="tx1"/>
+                </a:solidFill>
+                <a:latin typeface="Times New Roman" pitchFamily="18" charset="0"/>
+              </a:defRPr>
+            </a:lvl7pPr>
+            <a:lvl8pPr marL="3429000" indent="-228600" eaLnBrk="0" fontAlgn="base" hangingPunct="0">
+              <a:spcBef>
+                <a:spcPct val="0"/>
+              </a:spcBef>
+              <a:spcAft>
+                <a:spcPct val="0"/>
+              </a:spcAft>
+              <a:defRPr sz="2400">
+                <a:solidFill>
+                  <a:schemeClr val="tx1"/>
+                </a:solidFill>
+                <a:latin typeface="Times New Roman" pitchFamily="18" charset="0"/>
+              </a:defRPr>
+            </a:lvl8pPr>
+            <a:lvl9pPr marL="3886200" indent="-228600" eaLnBrk="0" fontAlgn="base" hangingPunct="0">
+              <a:spcBef>
+                <a:spcPct val="0"/>
+              </a:spcBef>
+              <a:spcAft>
+                <a:spcPct val="0"/>
+              </a:spcAft>
+              <a:defRPr sz="2400">
+                <a:solidFill>
+                  <a:schemeClr val="tx1"/>
+                </a:solidFill>
+                <a:latin typeface="Times New Roman" pitchFamily="18" charset="0"/>
+              </a:defRPr>
+            </a:lvl9pPr>
+          </a:lstStyle>
+          <a:p>
+            <a:pPr marL="342900" indent="-342900">
+              <a:lnSpc>
+                <a:spcPct val="150000"/>
+              </a:lnSpc>
+              <a:spcAft>
+                <a:spcPts val="1200"/>
+              </a:spcAft>
+              <a:buAutoNum type="arabicPeriod"/>
+            </a:pPr>
+            <a:r>
+              <a:rPr lang="es-ES_tradnl" sz="2000" dirty="0">
+                <a:solidFill>
+                  <a:schemeClr val="bg2">
+                    <a:lumMod val="25000"/>
+                  </a:schemeClr>
+                </a:solidFill>
+                <a:latin typeface="Arial" panose="020B0604020202020204" pitchFamily="34" charset="0"/>
+                <a:cs typeface="Arial" panose="020B0604020202020204" pitchFamily="34" charset="0"/>
+              </a:rPr>
+              <a:t>Excluir las direcciones estáticas del pool de DHCP.</a:t>
+            </a:r>
+          </a:p>
+          <a:p>
+            <a:pPr lvl="1">
+              <a:lnSpc>
+                <a:spcPct val="150000"/>
+              </a:lnSpc>
+              <a:spcAft>
+                <a:spcPts val="1200"/>
+              </a:spcAft>
+            </a:pPr>
+            <a:r>
+              <a:rPr lang="es-MX" sz="2000" b="1" dirty="0" err="1">
+                <a:solidFill>
+                  <a:schemeClr val="accent6">
+                    <a:lumMod val="75000"/>
+                  </a:schemeClr>
+                </a:solidFill>
+                <a:latin typeface="Arial" panose="020B0604020202020204" pitchFamily="34" charset="0"/>
+                <a:cs typeface="Arial" panose="020B0604020202020204" pitchFamily="34" charset="0"/>
+              </a:rPr>
+              <a:t>ip</a:t>
+            </a:r>
+            <a:r>
+              <a:rPr lang="es-MX" sz="2000" b="1" dirty="0">
+                <a:solidFill>
+                  <a:schemeClr val="accent6">
+                    <a:lumMod val="75000"/>
+                  </a:schemeClr>
+                </a:solidFill>
+                <a:latin typeface="Arial" panose="020B0604020202020204" pitchFamily="34" charset="0"/>
+                <a:cs typeface="Arial" panose="020B0604020202020204" pitchFamily="34" charset="0"/>
+              </a:rPr>
+              <a:t> </a:t>
+            </a:r>
+            <a:r>
+              <a:rPr lang="es-MX" sz="2000" b="1" dirty="0" err="1">
+                <a:solidFill>
+                  <a:schemeClr val="accent6">
+                    <a:lumMod val="75000"/>
+                  </a:schemeClr>
+                </a:solidFill>
+                <a:latin typeface="Arial" panose="020B0604020202020204" pitchFamily="34" charset="0"/>
+                <a:cs typeface="Arial" panose="020B0604020202020204" pitchFamily="34" charset="0"/>
+              </a:rPr>
+              <a:t>dhcp</a:t>
+            </a:r>
+            <a:r>
+              <a:rPr lang="es-MX" sz="2000" b="1" dirty="0">
+                <a:solidFill>
+                  <a:schemeClr val="accent6">
+                    <a:lumMod val="75000"/>
+                  </a:schemeClr>
+                </a:solidFill>
+                <a:latin typeface="Arial" panose="020B0604020202020204" pitchFamily="34" charset="0"/>
+                <a:cs typeface="Arial" panose="020B0604020202020204" pitchFamily="34" charset="0"/>
+              </a:rPr>
+              <a:t> </a:t>
+            </a:r>
+            <a:r>
+              <a:rPr lang="es-MX" sz="2000" b="1" dirty="0" err="1">
+                <a:solidFill>
+                  <a:schemeClr val="accent6">
+                    <a:lumMod val="75000"/>
+                  </a:schemeClr>
+                </a:solidFill>
+                <a:latin typeface="Arial" panose="020B0604020202020204" pitchFamily="34" charset="0"/>
+                <a:cs typeface="Arial" panose="020B0604020202020204" pitchFamily="34" charset="0"/>
+              </a:rPr>
+              <a:t>excluded-address</a:t>
+            </a:r>
+            <a:r>
+              <a:rPr lang="es-MX" sz="2000" b="1" dirty="0">
+                <a:solidFill>
+                  <a:schemeClr val="accent6">
+                    <a:lumMod val="75000"/>
+                  </a:schemeClr>
+                </a:solidFill>
+                <a:latin typeface="Arial" panose="020B0604020202020204" pitchFamily="34" charset="0"/>
+                <a:cs typeface="Arial" panose="020B0604020202020204" pitchFamily="34" charset="0"/>
+              </a:rPr>
+              <a:t> </a:t>
+            </a:r>
+            <a:r>
+              <a:rPr lang="es-MX" sz="2000" dirty="0" err="1">
+                <a:solidFill>
+                  <a:schemeClr val="bg2">
+                    <a:lumMod val="25000"/>
+                  </a:schemeClr>
+                </a:solidFill>
+                <a:latin typeface="Arial" panose="020B0604020202020204" pitchFamily="34" charset="0"/>
+                <a:cs typeface="Arial" panose="020B0604020202020204" pitchFamily="34" charset="0"/>
+              </a:rPr>
+              <a:t>Dir_IP_Inicial</a:t>
+            </a:r>
+            <a:r>
+              <a:rPr lang="es-MX" sz="2000" dirty="0">
+                <a:solidFill>
+                  <a:schemeClr val="bg2">
+                    <a:lumMod val="25000"/>
+                  </a:schemeClr>
+                </a:solidFill>
+                <a:latin typeface="Arial" panose="020B0604020202020204" pitchFamily="34" charset="0"/>
+                <a:cs typeface="Arial" panose="020B0604020202020204" pitchFamily="34" charset="0"/>
+              </a:rPr>
+              <a:t> </a:t>
+            </a:r>
+            <a:r>
+              <a:rPr lang="es-MX" sz="2000" dirty="0" err="1">
+                <a:solidFill>
+                  <a:schemeClr val="bg2">
+                    <a:lumMod val="25000"/>
+                  </a:schemeClr>
+                </a:solidFill>
+                <a:latin typeface="Arial" panose="020B0604020202020204" pitchFamily="34" charset="0"/>
+                <a:cs typeface="Arial" panose="020B0604020202020204" pitchFamily="34" charset="0"/>
+              </a:rPr>
+              <a:t>Dir_IP_Final</a:t>
+            </a:r>
+            <a:endParaRPr lang="es-MX" sz="2000" dirty="0">
+              <a:solidFill>
+                <a:schemeClr val="bg2">
+                  <a:lumMod val="25000"/>
+                </a:schemeClr>
+              </a:solidFill>
+              <a:latin typeface="Arial" panose="020B0604020202020204" pitchFamily="34" charset="0"/>
+              <a:cs typeface="Arial" panose="020B0604020202020204" pitchFamily="34" charset="0"/>
+            </a:endParaRPr>
+          </a:p>
+          <a:p>
+            <a:pPr marL="342900" indent="-342900">
+              <a:lnSpc>
+                <a:spcPct val="150000"/>
+              </a:lnSpc>
+              <a:spcBef>
+                <a:spcPts val="600"/>
+              </a:spcBef>
+              <a:spcAft>
+                <a:spcPts val="1200"/>
+              </a:spcAft>
+              <a:buFont typeface="+mj-lt"/>
+              <a:buAutoNum type="arabicPeriod" startAt="2"/>
+            </a:pPr>
+            <a:r>
+              <a:rPr lang="es-MX" sz="2000" dirty="0">
+                <a:solidFill>
+                  <a:schemeClr val="bg2">
+                    <a:lumMod val="25000"/>
+                  </a:schemeClr>
+                </a:solidFill>
+                <a:latin typeface="Arial" panose="020B0604020202020204" pitchFamily="34" charset="0"/>
+                <a:cs typeface="Arial" panose="020B0604020202020204" pitchFamily="34" charset="0"/>
+              </a:rPr>
+              <a:t>Definir un </a:t>
+            </a:r>
+            <a:r>
+              <a:rPr lang="es-MX" sz="2000" b="1" dirty="0">
+                <a:solidFill>
+                  <a:schemeClr val="bg2">
+                    <a:lumMod val="25000"/>
+                  </a:schemeClr>
+                </a:solidFill>
+                <a:latin typeface="Arial" panose="020B0604020202020204" pitchFamily="34" charset="0"/>
+                <a:cs typeface="Arial" panose="020B0604020202020204" pitchFamily="34" charset="0"/>
+              </a:rPr>
+              <a:t>pool de direcciones dinámicas </a:t>
+            </a:r>
+            <a:r>
+              <a:rPr lang="es-MX" sz="2000" dirty="0">
+                <a:solidFill>
+                  <a:schemeClr val="bg2">
+                    <a:lumMod val="25000"/>
+                  </a:schemeClr>
+                </a:solidFill>
+                <a:latin typeface="Arial" panose="020B0604020202020204" pitchFamily="34" charset="0"/>
+                <a:cs typeface="Arial" panose="020B0604020202020204" pitchFamily="34" charset="0"/>
+              </a:rPr>
+              <a:t>que serán asignadas cuando sean solicitadas.</a:t>
+            </a:r>
+          </a:p>
+          <a:p>
+            <a:pPr lvl="1">
+              <a:lnSpc>
+                <a:spcPct val="150000"/>
+              </a:lnSpc>
+            </a:pPr>
+            <a:r>
+              <a:rPr lang="es-MX" sz="2000" b="1" dirty="0" err="1">
+                <a:solidFill>
+                  <a:schemeClr val="accent6">
+                    <a:lumMod val="75000"/>
+                  </a:schemeClr>
+                </a:solidFill>
+                <a:latin typeface="Arial" panose="020B0604020202020204" pitchFamily="34" charset="0"/>
+                <a:cs typeface="Arial" panose="020B0604020202020204" pitchFamily="34" charset="0"/>
+              </a:rPr>
+              <a:t>ip</a:t>
+            </a:r>
+            <a:r>
+              <a:rPr lang="es-MX" sz="2000" b="1" dirty="0">
+                <a:solidFill>
+                  <a:schemeClr val="accent6">
+                    <a:lumMod val="75000"/>
+                  </a:schemeClr>
+                </a:solidFill>
+                <a:latin typeface="Arial" panose="020B0604020202020204" pitchFamily="34" charset="0"/>
+                <a:cs typeface="Arial" panose="020B0604020202020204" pitchFamily="34" charset="0"/>
+              </a:rPr>
+              <a:t> </a:t>
+            </a:r>
+            <a:r>
+              <a:rPr lang="es-MX" sz="2000" b="1" dirty="0" err="1">
+                <a:solidFill>
+                  <a:schemeClr val="accent6">
+                    <a:lumMod val="75000"/>
+                  </a:schemeClr>
+                </a:solidFill>
+                <a:latin typeface="Arial" panose="020B0604020202020204" pitchFamily="34" charset="0"/>
+                <a:cs typeface="Arial" panose="020B0604020202020204" pitchFamily="34" charset="0"/>
+              </a:rPr>
+              <a:t>dhcp</a:t>
+            </a:r>
+            <a:r>
+              <a:rPr lang="es-MX" sz="2000" b="1" dirty="0">
+                <a:solidFill>
+                  <a:schemeClr val="accent6">
+                    <a:lumMod val="75000"/>
+                  </a:schemeClr>
+                </a:solidFill>
+                <a:latin typeface="Arial" panose="020B0604020202020204" pitchFamily="34" charset="0"/>
+                <a:cs typeface="Arial" panose="020B0604020202020204" pitchFamily="34" charset="0"/>
+              </a:rPr>
+              <a:t> pool</a:t>
+            </a:r>
+            <a:r>
+              <a:rPr lang="es-MX" sz="2000" dirty="0">
+                <a:solidFill>
+                  <a:schemeClr val="accent6">
+                    <a:lumMod val="75000"/>
+                  </a:schemeClr>
+                </a:solidFill>
+                <a:latin typeface="Arial" panose="020B0604020202020204" pitchFamily="34" charset="0"/>
+                <a:cs typeface="Arial" panose="020B0604020202020204" pitchFamily="34" charset="0"/>
+              </a:rPr>
+              <a:t> </a:t>
+            </a:r>
+            <a:r>
+              <a:rPr lang="es-MX" sz="2000" b="1" dirty="0" err="1">
+                <a:solidFill>
+                  <a:schemeClr val="bg2">
+                    <a:lumMod val="25000"/>
+                  </a:schemeClr>
+                </a:solidFill>
+                <a:latin typeface="Arial" panose="020B0604020202020204" pitchFamily="34" charset="0"/>
+                <a:cs typeface="Arial" panose="020B0604020202020204" pitchFamily="34" charset="0"/>
+              </a:rPr>
+              <a:t>NombrePool</a:t>
+            </a:r>
+            <a:endParaRPr lang="es-MX" sz="2000" b="1" dirty="0">
+              <a:solidFill>
+                <a:schemeClr val="bg2">
+                  <a:lumMod val="25000"/>
+                </a:schemeClr>
+              </a:solidFill>
+              <a:latin typeface="Arial" panose="020B0604020202020204" pitchFamily="34" charset="0"/>
+              <a:cs typeface="Arial" panose="020B0604020202020204" pitchFamily="34" charset="0"/>
+            </a:endParaRPr>
+          </a:p>
+          <a:p>
+            <a:pPr lvl="1">
+              <a:lnSpc>
+                <a:spcPct val="150000"/>
+              </a:lnSpc>
+            </a:pPr>
+            <a:r>
+              <a:rPr lang="es-MX" sz="2000" b="1" dirty="0" err="1">
+                <a:solidFill>
+                  <a:schemeClr val="accent6">
+                    <a:lumMod val="75000"/>
+                  </a:schemeClr>
+                </a:solidFill>
+                <a:latin typeface="Arial" panose="020B0604020202020204" pitchFamily="34" charset="0"/>
+                <a:cs typeface="Arial" panose="020B0604020202020204" pitchFamily="34" charset="0"/>
+              </a:rPr>
+              <a:t>network</a:t>
+            </a:r>
+            <a:r>
+              <a:rPr lang="es-MX" sz="2000" b="1" dirty="0">
+                <a:solidFill>
+                  <a:schemeClr val="accent6">
+                    <a:lumMod val="75000"/>
+                  </a:schemeClr>
+                </a:solidFill>
+                <a:latin typeface="Arial" panose="020B0604020202020204" pitchFamily="34" charset="0"/>
+                <a:cs typeface="Arial" panose="020B0604020202020204" pitchFamily="34" charset="0"/>
+              </a:rPr>
+              <a:t> </a:t>
+            </a:r>
+            <a:r>
+              <a:rPr lang="es-MX" sz="2000" dirty="0" err="1">
+                <a:solidFill>
+                  <a:schemeClr val="bg2">
+                    <a:lumMod val="25000"/>
+                  </a:schemeClr>
+                </a:solidFill>
+                <a:latin typeface="Arial" panose="020B0604020202020204" pitchFamily="34" charset="0"/>
+                <a:cs typeface="Arial" panose="020B0604020202020204" pitchFamily="34" charset="0"/>
+              </a:rPr>
+              <a:t>dirIP_inicial</a:t>
+            </a:r>
+            <a:r>
+              <a:rPr lang="es-MX" sz="2000" dirty="0">
+                <a:solidFill>
+                  <a:schemeClr val="bg2">
+                    <a:lumMod val="25000"/>
+                  </a:schemeClr>
+                </a:solidFill>
+                <a:latin typeface="Arial" panose="020B0604020202020204" pitchFamily="34" charset="0"/>
+                <a:cs typeface="Arial" panose="020B0604020202020204" pitchFamily="34" charset="0"/>
+              </a:rPr>
+              <a:t> Máscara de subred</a:t>
+            </a:r>
+          </a:p>
+          <a:p>
+            <a:pPr marL="342900" indent="-342900">
+              <a:lnSpc>
+                <a:spcPct val="150000"/>
+              </a:lnSpc>
+              <a:spcBef>
+                <a:spcPts val="1200"/>
+              </a:spcBef>
+              <a:spcAft>
+                <a:spcPts val="1200"/>
+              </a:spcAft>
+              <a:buFont typeface="+mj-lt"/>
+              <a:buAutoNum type="arabicPeriod" startAt="2"/>
+            </a:pPr>
+            <a:r>
+              <a:rPr lang="es-MX" sz="2000" dirty="0">
+                <a:solidFill>
+                  <a:schemeClr val="bg2">
+                    <a:lumMod val="25000"/>
+                  </a:schemeClr>
+                </a:solidFill>
+                <a:latin typeface="Arial" panose="020B0604020202020204" pitchFamily="34" charset="0"/>
+                <a:cs typeface="Arial" panose="020B0604020202020204" pitchFamily="34" charset="0"/>
+              </a:rPr>
+              <a:t>Establecer la  puerta de enlace predeterminada (default Gateway):</a:t>
+            </a:r>
+          </a:p>
+          <a:p>
+            <a:pPr lvl="1">
+              <a:lnSpc>
+                <a:spcPct val="150000"/>
+              </a:lnSpc>
+              <a:spcAft>
+                <a:spcPts val="1200"/>
+              </a:spcAft>
+            </a:pPr>
+            <a:r>
+              <a:rPr lang="es-MX" sz="2000" b="1" dirty="0">
+                <a:solidFill>
+                  <a:schemeClr val="accent6">
+                    <a:lumMod val="75000"/>
+                  </a:schemeClr>
+                </a:solidFill>
+                <a:latin typeface="Arial" panose="020B0604020202020204" pitchFamily="34" charset="0"/>
+                <a:cs typeface="Arial" panose="020B0604020202020204" pitchFamily="34" charset="0"/>
+              </a:rPr>
+              <a:t>default-</a:t>
+            </a:r>
+            <a:r>
+              <a:rPr lang="es-MX" sz="2000" b="1" dirty="0" err="1">
+                <a:solidFill>
+                  <a:schemeClr val="accent6">
+                    <a:lumMod val="75000"/>
+                  </a:schemeClr>
+                </a:solidFill>
+                <a:latin typeface="Arial" panose="020B0604020202020204" pitchFamily="34" charset="0"/>
+                <a:cs typeface="Arial" panose="020B0604020202020204" pitchFamily="34" charset="0"/>
+              </a:rPr>
+              <a:t>router</a:t>
+            </a:r>
+            <a:r>
+              <a:rPr lang="es-MX" sz="2000" dirty="0">
+                <a:solidFill>
+                  <a:schemeClr val="accent6">
+                    <a:lumMod val="75000"/>
+                  </a:schemeClr>
+                </a:solidFill>
+                <a:latin typeface="Arial" panose="020B0604020202020204" pitchFamily="34" charset="0"/>
+                <a:cs typeface="Arial" panose="020B0604020202020204" pitchFamily="34" charset="0"/>
+              </a:rPr>
+              <a:t> </a:t>
+            </a:r>
+            <a:r>
+              <a:rPr lang="es-MX" sz="2000" dirty="0" err="1">
+                <a:solidFill>
+                  <a:schemeClr val="bg2">
+                    <a:lumMod val="25000"/>
+                  </a:schemeClr>
+                </a:solidFill>
+                <a:latin typeface="Arial" panose="020B0604020202020204" pitchFamily="34" charset="0"/>
+                <a:cs typeface="Arial" panose="020B0604020202020204" pitchFamily="34" charset="0"/>
+              </a:rPr>
+              <a:t>dirIP</a:t>
+            </a:r>
+            <a:endParaRPr lang="es-MX" sz="1600" dirty="0">
+              <a:solidFill>
+                <a:schemeClr val="bg2">
+                  <a:lumMod val="25000"/>
+                </a:schemeClr>
+              </a:solidFill>
+              <a:latin typeface="Arial" panose="020B0604020202020204" pitchFamily="34" charset="0"/>
+              <a:cs typeface="Arial" panose="020B0604020202020204" pitchFamily="34" charset="0"/>
+            </a:endParaRPr>
+          </a:p>
+        </p:txBody>
+      </p:sp>
+      <p:sp>
+        <p:nvSpPr>
+          <p:cNvPr id="8" name="Rectangle 2"/>
+          <p:cNvSpPr txBox="1">
+            <a:spLocks noChangeArrowheads="1"/>
+          </p:cNvSpPr>
+          <p:nvPr/>
+        </p:nvSpPr>
+        <p:spPr>
+          <a:xfrm>
+            <a:off x="1371600" y="58931"/>
+            <a:ext cx="8964488" cy="1143000"/>
+          </a:xfrm>
+          <a:prstGeom prst="rect">
+            <a:avLst/>
+          </a:prstGeom>
+        </p:spPr>
+        <p:txBody>
+          <a:bodyPr vert="horz" lIns="92075" tIns="46038" rIns="92075" bIns="46038" rtlCol="0" anchor="ctr">
+            <a:noAutofit/>
+          </a:bodyPr>
+          <a:lstStyle>
+            <a:lvl1pPr algn="ctr" defTabSz="914400" rtl="0" eaLnBrk="1" latinLnBrk="0" hangingPunct="1">
+              <a:spcBef>
+                <a:spcPct val="0"/>
+              </a:spcBef>
+              <a:buNone/>
+              <a:defRPr sz="4400" kern="1200">
+                <a:solidFill>
+                  <a:schemeClr val="tx1"/>
+                </a:solidFill>
+                <a:latin typeface="+mj-lt"/>
+                <a:ea typeface="+mj-ea"/>
+                <a:cs typeface="+mj-cs"/>
+              </a:defRPr>
+            </a:lvl1pPr>
+          </a:lstStyle>
+          <a:p>
+            <a:pPr>
+              <a:defRPr/>
+            </a:pPr>
+            <a:r>
+              <a:rPr lang="es-ES_tradnl" sz="3200" dirty="0">
+                <a:solidFill>
+                  <a:srgbClr val="3333CC"/>
+                </a:solidFill>
+                <a:effectLst>
+                  <a:outerShdw blurRad="38100" dist="38100" dir="2700000" algn="tl">
+                    <a:srgbClr val="C0C0C0"/>
+                  </a:outerShdw>
+                </a:effectLst>
+                <a:latin typeface="Dom Casual" charset="0"/>
+              </a:rPr>
+              <a:t> </a:t>
+            </a:r>
+            <a:r>
+              <a:rPr lang="es-ES_tradnl" sz="3200" b="1" dirty="0">
+                <a:solidFill>
+                  <a:schemeClr val="accent4">
+                    <a:lumMod val="50000"/>
+                  </a:schemeClr>
+                </a:solidFill>
+                <a:effectLst>
+                  <a:outerShdw blurRad="38100" dist="38100" dir="2700000" algn="tl">
+                    <a:srgbClr val="C0C0C0"/>
+                  </a:outerShdw>
+                </a:effectLst>
+                <a:latin typeface="Dom Casual" charset="0"/>
+              </a:rPr>
+              <a:t>Configuración mínima de un servicio DHCP</a:t>
+            </a:r>
+          </a:p>
+        </p:txBody>
+      </p:sp>
+    </p:spTree>
+    <p:extLst>
+      <p:ext uri="{BB962C8B-B14F-4D97-AF65-F5344CB8AC3E}">
+        <p14:creationId xmlns:p14="http://schemas.microsoft.com/office/powerpoint/2010/main" val="2801778137"/>
+      </p:ext>
+    </p:extLst>
+  </p:cSld>
+  <p:clrMapOvr>
+    <a:masterClrMapping/>
+  </p:clrMapOvr>
+  <p:timing>
+    <p:tnLst>
+      <p:par>
+        <p:cTn id="1" dur="indefinite" restart="never" nodeType="tmRoot">
+          <p:childTnLst>
+            <p:seq concurrent="1" nextAc="seek">
+              <p:cTn id="2" dur="indefinite" nodeType="mainSeq">
+                <p:childTnLst>
+                  <p:par>
+                    <p:cTn id="3" fill="hold">
+                      <p:stCondLst>
+                        <p:cond delay="indefinite"/>
+                      </p:stCondLst>
+                      <p:childTnLst>
+                        <p:par>
+                          <p:cTn id="4" fill="hold">
+                            <p:stCondLst>
+                              <p:cond delay="0"/>
+                            </p:stCondLst>
+                            <p:childTnLst>
+                              <p:par>
+                                <p:cTn id="5" presetID="1" presetClass="entr" presetSubtype="0" fill="hold" grpId="0" nodeType="clickEffect">
+                                  <p:stCondLst>
+                                    <p:cond delay="0"/>
+                                  </p:stCondLst>
+                                  <p:childTnLst>
+                                    <p:set>
+                                      <p:cBhvr>
+                                        <p:cTn id="6" dur="1" fill="hold">
+                                          <p:stCondLst>
+                                            <p:cond delay="0"/>
+                                          </p:stCondLst>
+                                        </p:cTn>
+                                        <p:tgtEl>
+                                          <p:spTgt spid="35845"/>
+                                        </p:tgtEl>
+                                        <p:attrNameLst>
+                                          <p:attrName>style.visibility</p:attrName>
+                                        </p:attrNameLst>
+                                      </p:cBhvr>
+                                      <p:to>
+                                        <p:strVal val="visible"/>
+                                      </p:to>
+                                    </p:set>
+                                  </p:childTnLst>
+                                </p:cTn>
+                              </p:par>
+                            </p:childTnLst>
+                          </p:cTn>
+                        </p:par>
+                      </p:childTnLst>
+                    </p:cTn>
+                  </p:par>
+                </p:childTnLst>
+              </p:cTn>
+              <p:prevCondLst>
+                <p:cond evt="onPrev" delay="0">
+                  <p:tgtEl>
+                    <p:sldTgt/>
+                  </p:tgtEl>
+                </p:cond>
+              </p:prevCondLst>
+              <p:nextCondLst>
+                <p:cond evt="onNext" delay="0">
+                  <p:tgtEl>
+                    <p:sldTgt/>
+                  </p:tgtEl>
+                </p:cond>
+              </p:nextCondLst>
+            </p:seq>
+          </p:childTnLst>
+        </p:cTn>
+      </p:par>
+    </p:tnLst>
+    <p:bldLst>
+      <p:bldP spid="35845" grpId="0"/>
+    </p:bldLst>
+  </p:timing>
+</p:sld>
+</file>
+
+<file path=ppt/slides/slide8.xml><?xml version="1.0" encoding="utf-8"?>
+<p:sld xmlns:a="http://schemas.openxmlformats.org/drawingml/2006/main" xmlns:r="http://schemas.openxmlformats.org/officeDocument/2006/relationships" xmlns:p="http://schemas.openxmlformats.org/presentationml/2006/main">
+  <p:cSld>
+    <p:spTree>
+      <p:nvGrpSpPr>
+        <p:cNvPr id="1" name=""/>
+        <p:cNvGrpSpPr/>
+        <p:nvPr/>
+      </p:nvGrpSpPr>
+      <p:grpSpPr>
+        <a:xfrm>
+          <a:off x="0" y="0"/>
+          <a:ext cx="0" cy="0"/>
+          <a:chOff x="0" y="0"/>
+          <a:chExt cx="0" cy="0"/>
+        </a:xfrm>
+      </p:grpSpPr>
+      <p:sp>
+        <p:nvSpPr>
+          <p:cNvPr id="35845" name="7 CuadroTexto"/>
+          <p:cNvSpPr txBox="1">
+            <a:spLocks noChangeArrowheads="1"/>
+          </p:cNvSpPr>
+          <p:nvPr/>
+        </p:nvSpPr>
+        <p:spPr bwMode="auto">
+          <a:xfrm>
+            <a:off x="533400" y="1295400"/>
+            <a:ext cx="11125200" cy="5073184"/>
+          </a:xfrm>
+          <a:prstGeom prst="rect">
+            <a:avLst/>
+          </a:prstGeom>
+          <a:noFill/>
+          <a:ln>
+            <a:noFill/>
+          </a:ln>
+          <a:extLst>
+            <a:ext uri="{909E8E84-426E-40DD-AFC4-6F175D3DCCD1}">
+              <a14:hiddenFill xmlns:a14="http://schemas.microsoft.com/office/drawing/2010/main">
+                <a:solidFill>
+                  <a:srgbClr val="FFFFFF"/>
+                </a:solidFill>
+              </a14:hiddenFill>
+            </a:ext>
+            <a:ext uri="{91240B29-F687-4F45-9708-019B960494DF}">
+              <a14:hiddenLine xmlns:a14="http://schemas.microsoft.com/office/drawing/2010/main" w="9525">
+                <a:solidFill>
+                  <a:srgbClr val="000000"/>
+                </a:solidFill>
+                <a:miter lim="800000"/>
+                <a:headEnd/>
+                <a:tailEnd/>
+              </a14:hiddenLine>
+            </a:ext>
+          </a:extLst>
+        </p:spPr>
+        <p:txBody>
+          <a:bodyPr wrap="square">
+            <a:spAutoFit/>
+          </a:bodyPr>
+          <a:lstStyle>
+            <a:lvl1pPr eaLnBrk="0" hangingPunct="0">
+              <a:defRPr sz="2400">
+                <a:solidFill>
+                  <a:schemeClr val="tx1"/>
+                </a:solidFill>
+                <a:latin typeface="Times New Roman" pitchFamily="18" charset="0"/>
+              </a:defRPr>
+            </a:lvl1pPr>
+            <a:lvl2pPr marL="742950" indent="-285750" eaLnBrk="0" hangingPunct="0">
+              <a:defRPr sz="2400">
+                <a:solidFill>
+                  <a:schemeClr val="tx1"/>
+                </a:solidFill>
+                <a:latin typeface="Times New Roman" pitchFamily="18" charset="0"/>
+              </a:defRPr>
+            </a:lvl2pPr>
+            <a:lvl3pPr marL="1143000" indent="-228600" eaLnBrk="0" hangingPunct="0">
+              <a:defRPr sz="2400">
+                <a:solidFill>
+                  <a:schemeClr val="tx1"/>
+                </a:solidFill>
+                <a:latin typeface="Times New Roman" pitchFamily="18" charset="0"/>
+              </a:defRPr>
+            </a:lvl3pPr>
+            <a:lvl4pPr marL="1600200" indent="-228600" eaLnBrk="0" hangingPunct="0">
+              <a:defRPr sz="2400">
+                <a:solidFill>
+                  <a:schemeClr val="tx1"/>
+                </a:solidFill>
+                <a:latin typeface="Times New Roman" pitchFamily="18" charset="0"/>
+              </a:defRPr>
+            </a:lvl4pPr>
+            <a:lvl5pPr marL="2057400" indent="-228600" eaLnBrk="0" hangingPunct="0">
+              <a:defRPr sz="2400">
+                <a:solidFill>
+                  <a:schemeClr val="tx1"/>
+                </a:solidFill>
+                <a:latin typeface="Times New Roman" pitchFamily="18" charset="0"/>
+              </a:defRPr>
+            </a:lvl5pPr>
+            <a:lvl6pPr marL="2514600" indent="-228600" eaLnBrk="0" fontAlgn="base" hangingPunct="0">
+              <a:spcBef>
+                <a:spcPct val="0"/>
+              </a:spcBef>
+              <a:spcAft>
+                <a:spcPct val="0"/>
+              </a:spcAft>
+              <a:defRPr sz="2400">
+                <a:solidFill>
+                  <a:schemeClr val="tx1"/>
+                </a:solidFill>
+                <a:latin typeface="Times New Roman" pitchFamily="18" charset="0"/>
+              </a:defRPr>
+            </a:lvl6pPr>
+            <a:lvl7pPr marL="2971800" indent="-228600" eaLnBrk="0" fontAlgn="base" hangingPunct="0">
+              <a:spcBef>
+                <a:spcPct val="0"/>
+              </a:spcBef>
+              <a:spcAft>
+                <a:spcPct val="0"/>
+              </a:spcAft>
+              <a:defRPr sz="2400">
+                <a:solidFill>
+                  <a:schemeClr val="tx1"/>
+                </a:solidFill>
+                <a:latin typeface="Times New Roman" pitchFamily="18" charset="0"/>
+              </a:defRPr>
+            </a:lvl7pPr>
+            <a:lvl8pPr marL="3429000" indent="-228600" eaLnBrk="0" fontAlgn="base" hangingPunct="0">
+              <a:spcBef>
+                <a:spcPct val="0"/>
+              </a:spcBef>
+              <a:spcAft>
+                <a:spcPct val="0"/>
+              </a:spcAft>
+              <a:defRPr sz="2400">
+                <a:solidFill>
+                  <a:schemeClr val="tx1"/>
+                </a:solidFill>
+                <a:latin typeface="Times New Roman" pitchFamily="18" charset="0"/>
+              </a:defRPr>
+            </a:lvl8pPr>
+            <a:lvl9pPr marL="3886200" indent="-228600" eaLnBrk="0" fontAlgn="base" hangingPunct="0">
+              <a:spcBef>
+                <a:spcPct val="0"/>
+              </a:spcBef>
+              <a:spcAft>
+                <a:spcPct val="0"/>
+              </a:spcAft>
+              <a:defRPr sz="2400">
+                <a:solidFill>
+                  <a:schemeClr val="tx1"/>
+                </a:solidFill>
+                <a:latin typeface="Times New Roman" pitchFamily="18" charset="0"/>
+              </a:defRPr>
+            </a:lvl9pPr>
+          </a:lstStyle>
+          <a:p>
+            <a:pPr marL="342900" indent="-342900">
+              <a:lnSpc>
+                <a:spcPct val="150000"/>
+              </a:lnSpc>
+              <a:buFont typeface="+mj-lt"/>
+              <a:buAutoNum type="arabicPeriod"/>
+            </a:pPr>
+            <a:r>
+              <a:rPr lang="es-MX" sz="1800" dirty="0">
+                <a:solidFill>
+                  <a:schemeClr val="bg2">
+                    <a:lumMod val="25000"/>
+                  </a:schemeClr>
+                </a:solidFill>
+                <a:latin typeface="Arial" panose="020B0604020202020204" pitchFamily="34" charset="0"/>
+                <a:cs typeface="Arial" panose="020B0604020202020204" pitchFamily="34" charset="0"/>
+              </a:rPr>
+              <a:t>Definir un </a:t>
+            </a:r>
+            <a:r>
+              <a:rPr lang="es-MX" sz="1800" b="1" dirty="0">
+                <a:solidFill>
+                  <a:schemeClr val="bg2">
+                    <a:lumMod val="25000"/>
+                  </a:schemeClr>
+                </a:solidFill>
+                <a:latin typeface="Arial" panose="020B0604020202020204" pitchFamily="34" charset="0"/>
+                <a:cs typeface="Arial" panose="020B0604020202020204" pitchFamily="34" charset="0"/>
+              </a:rPr>
+              <a:t>pool de direcciones globales (públicas) </a:t>
+            </a:r>
+            <a:r>
+              <a:rPr lang="es-MX" sz="1800" dirty="0">
+                <a:solidFill>
+                  <a:schemeClr val="bg2">
+                    <a:lumMod val="25000"/>
+                  </a:schemeClr>
+                </a:solidFill>
+                <a:latin typeface="Arial" panose="020B0604020202020204" pitchFamily="34" charset="0"/>
+                <a:cs typeface="Arial" panose="020B0604020202020204" pitchFamily="34" charset="0"/>
+              </a:rPr>
+              <a:t>que serán asignadas cuando sean necesarias.</a:t>
+            </a:r>
+          </a:p>
+          <a:p>
+            <a:pPr lvl="1">
+              <a:lnSpc>
+                <a:spcPct val="150000"/>
+              </a:lnSpc>
+            </a:pPr>
+            <a:r>
+              <a:rPr lang="es-MX" sz="1800" b="1" dirty="0" err="1">
+                <a:solidFill>
+                  <a:schemeClr val="accent6">
+                    <a:lumMod val="75000"/>
+                  </a:schemeClr>
+                </a:solidFill>
+                <a:latin typeface="Arial" panose="020B0604020202020204" pitchFamily="34" charset="0"/>
+                <a:cs typeface="Arial" panose="020B0604020202020204" pitchFamily="34" charset="0"/>
+              </a:rPr>
+              <a:t>ip</a:t>
+            </a:r>
+            <a:r>
+              <a:rPr lang="es-MX" sz="1800" b="1" dirty="0">
+                <a:solidFill>
+                  <a:schemeClr val="accent6">
+                    <a:lumMod val="75000"/>
+                  </a:schemeClr>
+                </a:solidFill>
+                <a:latin typeface="Arial" panose="020B0604020202020204" pitchFamily="34" charset="0"/>
+                <a:cs typeface="Arial" panose="020B0604020202020204" pitchFamily="34" charset="0"/>
+              </a:rPr>
+              <a:t> </a:t>
+            </a:r>
+            <a:r>
+              <a:rPr lang="es-MX" sz="1800" b="1" dirty="0" err="1">
+                <a:solidFill>
+                  <a:schemeClr val="accent6">
+                    <a:lumMod val="75000"/>
+                  </a:schemeClr>
+                </a:solidFill>
+                <a:latin typeface="Arial" panose="020B0604020202020204" pitchFamily="34" charset="0"/>
+                <a:cs typeface="Arial" panose="020B0604020202020204" pitchFamily="34" charset="0"/>
+              </a:rPr>
+              <a:t>nat</a:t>
+            </a:r>
+            <a:r>
+              <a:rPr lang="es-MX" sz="1800" b="1" dirty="0">
+                <a:solidFill>
+                  <a:schemeClr val="accent6">
+                    <a:lumMod val="75000"/>
+                  </a:schemeClr>
+                </a:solidFill>
+                <a:latin typeface="Arial" panose="020B0604020202020204" pitchFamily="34" charset="0"/>
+                <a:cs typeface="Arial" panose="020B0604020202020204" pitchFamily="34" charset="0"/>
+              </a:rPr>
+              <a:t> pool</a:t>
+            </a:r>
+            <a:r>
+              <a:rPr lang="es-MX" sz="1800" dirty="0">
+                <a:solidFill>
+                  <a:schemeClr val="accent6">
+                    <a:lumMod val="75000"/>
+                  </a:schemeClr>
+                </a:solidFill>
+                <a:latin typeface="Arial" panose="020B0604020202020204" pitchFamily="34" charset="0"/>
+                <a:cs typeface="Arial" panose="020B0604020202020204" pitchFamily="34" charset="0"/>
+              </a:rPr>
+              <a:t> </a:t>
+            </a:r>
+            <a:r>
+              <a:rPr lang="es-MX" sz="1800" b="1" dirty="0">
+                <a:solidFill>
+                  <a:schemeClr val="accent5">
+                    <a:lumMod val="75000"/>
+                  </a:schemeClr>
+                </a:solidFill>
+                <a:latin typeface="Arial" panose="020B0604020202020204" pitchFamily="34" charset="0"/>
+                <a:cs typeface="Arial" panose="020B0604020202020204" pitchFamily="34" charset="0"/>
+              </a:rPr>
+              <a:t>Nombre</a:t>
+            </a:r>
+            <a:r>
+              <a:rPr lang="es-MX" sz="1800" b="1" dirty="0">
+                <a:solidFill>
+                  <a:schemeClr val="bg2">
+                    <a:lumMod val="25000"/>
+                  </a:schemeClr>
+                </a:solidFill>
+                <a:latin typeface="Arial" panose="020B0604020202020204" pitchFamily="34" charset="0"/>
+                <a:cs typeface="Arial" panose="020B0604020202020204" pitchFamily="34" charset="0"/>
+              </a:rPr>
+              <a:t> </a:t>
+            </a:r>
+            <a:r>
+              <a:rPr lang="es-MX" sz="1800" dirty="0" err="1">
+                <a:solidFill>
+                  <a:schemeClr val="bg2">
+                    <a:lumMod val="25000"/>
+                  </a:schemeClr>
+                </a:solidFill>
+                <a:latin typeface="Arial" panose="020B0604020202020204" pitchFamily="34" charset="0"/>
+                <a:cs typeface="Arial" panose="020B0604020202020204" pitchFamily="34" charset="0"/>
+              </a:rPr>
+              <a:t>dirIP</a:t>
+            </a:r>
+            <a:r>
+              <a:rPr lang="es-MX" sz="1800" dirty="0">
+                <a:solidFill>
+                  <a:schemeClr val="bg2">
+                    <a:lumMod val="25000"/>
+                  </a:schemeClr>
+                </a:solidFill>
+                <a:latin typeface="Arial" panose="020B0604020202020204" pitchFamily="34" charset="0"/>
+                <a:cs typeface="Arial" panose="020B0604020202020204" pitchFamily="34" charset="0"/>
+              </a:rPr>
+              <a:t>-inicial </a:t>
+            </a:r>
+            <a:r>
+              <a:rPr lang="es-MX" sz="1800" dirty="0" err="1">
+                <a:solidFill>
+                  <a:schemeClr val="bg2">
+                    <a:lumMod val="25000"/>
+                  </a:schemeClr>
+                </a:solidFill>
+                <a:latin typeface="Arial" panose="020B0604020202020204" pitchFamily="34" charset="0"/>
+                <a:cs typeface="Arial" panose="020B0604020202020204" pitchFamily="34" charset="0"/>
+              </a:rPr>
+              <a:t>dirIP</a:t>
+            </a:r>
+            <a:r>
+              <a:rPr lang="es-MX" sz="1800" dirty="0">
+                <a:solidFill>
+                  <a:schemeClr val="bg2">
+                    <a:lumMod val="25000"/>
+                  </a:schemeClr>
+                </a:solidFill>
+                <a:latin typeface="Arial" panose="020B0604020202020204" pitchFamily="34" charset="0"/>
+                <a:cs typeface="Arial" panose="020B0604020202020204" pitchFamily="34" charset="0"/>
+              </a:rPr>
+              <a:t>-final </a:t>
+            </a:r>
+            <a:r>
+              <a:rPr lang="es-MX" sz="1800" dirty="0" err="1">
+                <a:solidFill>
+                  <a:schemeClr val="bg2">
+                    <a:lumMod val="25000"/>
+                  </a:schemeClr>
+                </a:solidFill>
+                <a:latin typeface="Arial" panose="020B0604020202020204" pitchFamily="34" charset="0"/>
+                <a:cs typeface="Arial" panose="020B0604020202020204" pitchFamily="34" charset="0"/>
+              </a:rPr>
+              <a:t>netmask</a:t>
+            </a:r>
+            <a:r>
+              <a:rPr lang="es-MX" sz="1800" dirty="0">
+                <a:solidFill>
+                  <a:schemeClr val="bg2">
+                    <a:lumMod val="25000"/>
+                  </a:schemeClr>
+                </a:solidFill>
+                <a:latin typeface="Arial" panose="020B0604020202020204" pitchFamily="34" charset="0"/>
+                <a:cs typeface="Arial" panose="020B0604020202020204" pitchFamily="34" charset="0"/>
+              </a:rPr>
+              <a:t> </a:t>
+            </a:r>
+            <a:r>
+              <a:rPr lang="es-MX" sz="1800" b="1" dirty="0" err="1">
+                <a:solidFill>
+                  <a:schemeClr val="accent5">
+                    <a:lumMod val="75000"/>
+                  </a:schemeClr>
+                </a:solidFill>
+                <a:latin typeface="Arial" panose="020B0604020202020204" pitchFamily="34" charset="0"/>
+                <a:cs typeface="Arial" panose="020B0604020202020204" pitchFamily="34" charset="0"/>
+              </a:rPr>
+              <a:t>MáscaraSubneteo</a:t>
+            </a:r>
+            <a:endParaRPr lang="es-MX" sz="1800" b="1" dirty="0">
+              <a:solidFill>
+                <a:schemeClr val="accent5">
+                  <a:lumMod val="75000"/>
+                </a:schemeClr>
+              </a:solidFill>
+              <a:latin typeface="Arial" panose="020B0604020202020204" pitchFamily="34" charset="0"/>
+              <a:cs typeface="Arial" panose="020B0604020202020204" pitchFamily="34" charset="0"/>
+            </a:endParaRPr>
+          </a:p>
+          <a:p>
+            <a:pPr marL="342900" indent="-342900">
+              <a:lnSpc>
+                <a:spcPct val="150000"/>
+              </a:lnSpc>
+              <a:spcBef>
+                <a:spcPts val="1200"/>
+              </a:spcBef>
+              <a:buFont typeface="+mj-lt"/>
+              <a:buAutoNum type="arabicPeriod"/>
+            </a:pPr>
+            <a:r>
+              <a:rPr lang="es-MX" sz="1800" dirty="0">
+                <a:solidFill>
+                  <a:schemeClr val="bg2">
+                    <a:lumMod val="25000"/>
+                  </a:schemeClr>
+                </a:solidFill>
+                <a:latin typeface="Arial" panose="020B0604020202020204" pitchFamily="34" charset="0"/>
+                <a:cs typeface="Arial" panose="020B0604020202020204" pitchFamily="34" charset="0"/>
+              </a:rPr>
+              <a:t>Definir una </a:t>
+            </a:r>
+            <a:r>
+              <a:rPr lang="es-MX" sz="1800" b="1" dirty="0">
+                <a:solidFill>
+                  <a:schemeClr val="bg2">
+                    <a:lumMod val="25000"/>
+                  </a:schemeClr>
+                </a:solidFill>
+                <a:latin typeface="Arial" panose="020B0604020202020204" pitchFamily="34" charset="0"/>
+                <a:cs typeface="Arial" panose="020B0604020202020204" pitchFamily="34" charset="0"/>
+              </a:rPr>
+              <a:t>ACL estándar</a:t>
+            </a:r>
+            <a:r>
+              <a:rPr lang="es-MX" sz="1800" dirty="0">
+                <a:solidFill>
+                  <a:schemeClr val="bg2">
+                    <a:lumMod val="25000"/>
+                  </a:schemeClr>
+                </a:solidFill>
+                <a:latin typeface="Arial" panose="020B0604020202020204" pitchFamily="34" charset="0"/>
+                <a:cs typeface="Arial" panose="020B0604020202020204" pitchFamily="34" charset="0"/>
+              </a:rPr>
+              <a:t>:</a:t>
+            </a:r>
+          </a:p>
+          <a:p>
+            <a:pPr lvl="1">
+              <a:lnSpc>
+                <a:spcPct val="150000"/>
+              </a:lnSpc>
+            </a:pPr>
+            <a:r>
+              <a:rPr lang="es-MX" sz="1800" b="1" dirty="0" err="1">
+                <a:solidFill>
+                  <a:schemeClr val="accent6">
+                    <a:lumMod val="75000"/>
+                  </a:schemeClr>
+                </a:solidFill>
+                <a:latin typeface="Arial" panose="020B0604020202020204" pitchFamily="34" charset="0"/>
+                <a:cs typeface="Arial" panose="020B0604020202020204" pitchFamily="34" charset="0"/>
+              </a:rPr>
+              <a:t>access-list</a:t>
+            </a:r>
+            <a:r>
+              <a:rPr lang="es-MX" sz="1800" b="1" dirty="0">
+                <a:solidFill>
+                  <a:schemeClr val="accent6">
+                    <a:lumMod val="75000"/>
+                  </a:schemeClr>
+                </a:solidFill>
+                <a:latin typeface="Arial" panose="020B0604020202020204" pitchFamily="34" charset="0"/>
+                <a:cs typeface="Arial" panose="020B0604020202020204" pitchFamily="34" charset="0"/>
+              </a:rPr>
+              <a:t> </a:t>
+            </a:r>
+            <a:r>
+              <a:rPr lang="es-MX" sz="1800" b="1" dirty="0">
+                <a:solidFill>
+                  <a:schemeClr val="accent5">
+                    <a:lumMod val="75000"/>
+                  </a:schemeClr>
+                </a:solidFill>
+                <a:latin typeface="Arial" panose="020B0604020202020204" pitchFamily="34" charset="0"/>
+                <a:cs typeface="Arial" panose="020B0604020202020204" pitchFamily="34" charset="0"/>
+              </a:rPr>
+              <a:t>Número </a:t>
+            </a:r>
+            <a:r>
+              <a:rPr lang="es-MX" sz="1800" dirty="0" err="1">
+                <a:solidFill>
+                  <a:schemeClr val="bg2">
+                    <a:lumMod val="25000"/>
+                  </a:schemeClr>
+                </a:solidFill>
+                <a:latin typeface="Arial" panose="020B0604020202020204" pitchFamily="34" charset="0"/>
+                <a:cs typeface="Arial" panose="020B0604020202020204" pitchFamily="34" charset="0"/>
+              </a:rPr>
+              <a:t>permit</a:t>
+            </a:r>
+            <a:r>
+              <a:rPr lang="es-MX" sz="1800" dirty="0">
+                <a:solidFill>
+                  <a:schemeClr val="bg2">
+                    <a:lumMod val="25000"/>
+                  </a:schemeClr>
+                </a:solidFill>
+                <a:latin typeface="Arial" panose="020B0604020202020204" pitchFamily="34" charset="0"/>
+                <a:cs typeface="Arial" panose="020B0604020202020204" pitchFamily="34" charset="0"/>
+              </a:rPr>
+              <a:t> </a:t>
+            </a:r>
+            <a:r>
+              <a:rPr lang="es-MX" sz="1800" dirty="0" err="1">
+                <a:solidFill>
+                  <a:schemeClr val="bg2">
+                    <a:lumMod val="25000"/>
+                  </a:schemeClr>
+                </a:solidFill>
+                <a:latin typeface="Arial" panose="020B0604020202020204" pitchFamily="34" charset="0"/>
+                <a:cs typeface="Arial" panose="020B0604020202020204" pitchFamily="34" charset="0"/>
+              </a:rPr>
+              <a:t>dirIP</a:t>
+            </a:r>
+            <a:r>
+              <a:rPr lang="es-MX" sz="1800" dirty="0">
+                <a:solidFill>
+                  <a:schemeClr val="bg2">
+                    <a:lumMod val="25000"/>
+                  </a:schemeClr>
+                </a:solidFill>
+                <a:latin typeface="Arial" panose="020B0604020202020204" pitchFamily="34" charset="0"/>
+                <a:cs typeface="Arial" panose="020B0604020202020204" pitchFamily="34" charset="0"/>
+              </a:rPr>
+              <a:t>-inicial </a:t>
+            </a:r>
+            <a:r>
+              <a:rPr lang="es-MX" sz="1800" b="1" dirty="0" err="1">
+                <a:solidFill>
+                  <a:schemeClr val="accent5">
+                    <a:lumMod val="75000"/>
+                  </a:schemeClr>
+                </a:solidFill>
+                <a:latin typeface="Arial" panose="020B0604020202020204" pitchFamily="34" charset="0"/>
+                <a:cs typeface="Arial" panose="020B0604020202020204" pitchFamily="34" charset="0"/>
+              </a:rPr>
+              <a:t>WildMask_ACL</a:t>
+            </a:r>
+            <a:endParaRPr lang="es-MX" sz="1800" b="1" dirty="0">
+              <a:solidFill>
+                <a:schemeClr val="accent5">
+                  <a:lumMod val="75000"/>
+                </a:schemeClr>
+              </a:solidFill>
+              <a:latin typeface="Arial" panose="020B0604020202020204" pitchFamily="34" charset="0"/>
+              <a:cs typeface="Arial" panose="020B0604020202020204" pitchFamily="34" charset="0"/>
+            </a:endParaRPr>
+          </a:p>
+          <a:p>
+            <a:pPr marL="342900" indent="-342900">
+              <a:lnSpc>
+                <a:spcPct val="150000"/>
+              </a:lnSpc>
+              <a:spcBef>
+                <a:spcPts val="1200"/>
+              </a:spcBef>
+              <a:buFont typeface="+mj-lt"/>
+              <a:buAutoNum type="arabicPeriod"/>
+            </a:pPr>
+            <a:r>
+              <a:rPr lang="es-MX" sz="1800" dirty="0">
+                <a:solidFill>
+                  <a:schemeClr val="bg2">
+                    <a:lumMod val="25000"/>
+                  </a:schemeClr>
+                </a:solidFill>
+                <a:latin typeface="Arial" panose="020B0604020202020204" pitchFamily="34" charset="0"/>
+                <a:cs typeface="Arial" panose="020B0604020202020204" pitchFamily="34" charset="0"/>
+              </a:rPr>
+              <a:t>Establecer la </a:t>
+            </a:r>
+            <a:r>
+              <a:rPr lang="es-MX" sz="1800" b="1" dirty="0">
+                <a:solidFill>
+                  <a:schemeClr val="bg2">
+                    <a:lumMod val="25000"/>
+                  </a:schemeClr>
+                </a:solidFill>
+                <a:latin typeface="Arial" panose="020B0604020202020204" pitchFamily="34" charset="0"/>
+                <a:cs typeface="Arial" panose="020B0604020202020204" pitchFamily="34" charset="0"/>
+              </a:rPr>
+              <a:t>traducción dinámica de direcciones </a:t>
+            </a:r>
+            <a:r>
+              <a:rPr lang="es-MX" sz="1800" dirty="0">
+                <a:solidFill>
+                  <a:schemeClr val="bg2">
+                    <a:lumMod val="25000"/>
+                  </a:schemeClr>
+                </a:solidFill>
+                <a:latin typeface="Arial" panose="020B0604020202020204" pitchFamily="34" charset="0"/>
+                <a:cs typeface="Arial" panose="020B0604020202020204" pitchFamily="34" charset="0"/>
+              </a:rPr>
+              <a:t>utilizando la ACL definida.</a:t>
+            </a:r>
+          </a:p>
+          <a:p>
+            <a:pPr marL="444500" lvl="1" indent="12700">
+              <a:lnSpc>
+                <a:spcPct val="150000"/>
+              </a:lnSpc>
+            </a:pPr>
+            <a:r>
+              <a:rPr lang="es-MX" sz="1800" b="1" dirty="0" err="1">
+                <a:solidFill>
+                  <a:schemeClr val="accent6">
+                    <a:lumMod val="75000"/>
+                  </a:schemeClr>
+                </a:solidFill>
+                <a:latin typeface="Arial" panose="020B0604020202020204" pitchFamily="34" charset="0"/>
+                <a:cs typeface="Arial" panose="020B0604020202020204" pitchFamily="34" charset="0"/>
+              </a:rPr>
+              <a:t>ip</a:t>
+            </a:r>
+            <a:r>
+              <a:rPr lang="es-MX" sz="1800" b="1" dirty="0">
+                <a:solidFill>
+                  <a:schemeClr val="accent6">
+                    <a:lumMod val="75000"/>
+                  </a:schemeClr>
+                </a:solidFill>
+                <a:latin typeface="Arial" panose="020B0604020202020204" pitchFamily="34" charset="0"/>
+                <a:cs typeface="Arial" panose="020B0604020202020204" pitchFamily="34" charset="0"/>
+              </a:rPr>
+              <a:t> </a:t>
+            </a:r>
+            <a:r>
+              <a:rPr lang="es-MX" sz="1800" b="1" dirty="0" err="1">
+                <a:solidFill>
+                  <a:schemeClr val="accent6">
+                    <a:lumMod val="75000"/>
+                  </a:schemeClr>
+                </a:solidFill>
+                <a:latin typeface="Arial" panose="020B0604020202020204" pitchFamily="34" charset="0"/>
+                <a:cs typeface="Arial" panose="020B0604020202020204" pitchFamily="34" charset="0"/>
+              </a:rPr>
+              <a:t>nat</a:t>
+            </a:r>
+            <a:r>
+              <a:rPr lang="es-MX" sz="1800" b="1" dirty="0">
+                <a:solidFill>
+                  <a:schemeClr val="accent6">
+                    <a:lumMod val="75000"/>
+                  </a:schemeClr>
+                </a:solidFill>
+                <a:latin typeface="Arial" panose="020B0604020202020204" pitchFamily="34" charset="0"/>
+                <a:cs typeface="Arial" panose="020B0604020202020204" pitchFamily="34" charset="0"/>
+              </a:rPr>
+              <a:t> </a:t>
+            </a:r>
+            <a:r>
+              <a:rPr lang="es-MX" sz="1800" b="1" dirty="0" err="1">
+                <a:solidFill>
+                  <a:schemeClr val="accent6">
+                    <a:lumMod val="75000"/>
+                  </a:schemeClr>
+                </a:solidFill>
+                <a:latin typeface="Arial" panose="020B0604020202020204" pitchFamily="34" charset="0"/>
+                <a:cs typeface="Arial" panose="020B0604020202020204" pitchFamily="34" charset="0"/>
+              </a:rPr>
+              <a:t>inside</a:t>
+            </a:r>
+            <a:r>
+              <a:rPr lang="es-MX" sz="1800" b="1" dirty="0">
+                <a:solidFill>
+                  <a:schemeClr val="accent6">
+                    <a:lumMod val="75000"/>
+                  </a:schemeClr>
+                </a:solidFill>
+                <a:latin typeface="Arial" panose="020B0604020202020204" pitchFamily="34" charset="0"/>
+                <a:cs typeface="Arial" panose="020B0604020202020204" pitchFamily="34" charset="0"/>
+              </a:rPr>
+              <a:t> </a:t>
+            </a:r>
+            <a:r>
+              <a:rPr lang="es-MX" sz="1800" b="1" dirty="0" err="1">
+                <a:solidFill>
+                  <a:schemeClr val="accent6">
+                    <a:lumMod val="75000"/>
+                  </a:schemeClr>
+                </a:solidFill>
+                <a:latin typeface="Arial" panose="020B0604020202020204" pitchFamily="34" charset="0"/>
+                <a:cs typeface="Arial" panose="020B0604020202020204" pitchFamily="34" charset="0"/>
+              </a:rPr>
+              <a:t>source</a:t>
+            </a:r>
+            <a:r>
+              <a:rPr lang="es-MX" sz="1800" dirty="0">
+                <a:solidFill>
+                  <a:schemeClr val="accent6">
+                    <a:lumMod val="75000"/>
+                  </a:schemeClr>
+                </a:solidFill>
+                <a:latin typeface="Arial" panose="020B0604020202020204" pitchFamily="34" charset="0"/>
+                <a:cs typeface="Arial" panose="020B0604020202020204" pitchFamily="34" charset="0"/>
+              </a:rPr>
+              <a:t> </a:t>
+            </a:r>
+            <a:r>
+              <a:rPr lang="es-MX" sz="1800" dirty="0">
+                <a:solidFill>
+                  <a:schemeClr val="bg2">
+                    <a:lumMod val="25000"/>
+                  </a:schemeClr>
+                </a:solidFill>
+                <a:latin typeface="Arial" panose="020B0604020202020204" pitchFamily="34" charset="0"/>
+                <a:cs typeface="Arial" panose="020B0604020202020204" pitchFamily="34" charset="0"/>
+              </a:rPr>
+              <a:t>{ </a:t>
+            </a:r>
+            <a:r>
+              <a:rPr lang="es-MX" sz="1800" b="1" dirty="0" err="1">
+                <a:solidFill>
+                  <a:schemeClr val="bg2">
+                    <a:lumMod val="25000"/>
+                  </a:schemeClr>
+                </a:solidFill>
+                <a:highlight>
+                  <a:srgbClr val="FFFF00"/>
+                </a:highlight>
+                <a:latin typeface="Arial" panose="020B0604020202020204" pitchFamily="34" charset="0"/>
+                <a:cs typeface="Arial" panose="020B0604020202020204" pitchFamily="34" charset="0"/>
+              </a:rPr>
+              <a:t>list</a:t>
+            </a:r>
+            <a:r>
+              <a:rPr lang="es-MX" sz="1800" b="1" dirty="0">
+                <a:solidFill>
+                  <a:schemeClr val="bg2">
+                    <a:lumMod val="25000"/>
+                  </a:schemeClr>
+                </a:solidFill>
+                <a:highlight>
+                  <a:srgbClr val="FFFF00"/>
+                </a:highlight>
+                <a:latin typeface="Arial" panose="020B0604020202020204" pitchFamily="34" charset="0"/>
+                <a:cs typeface="Arial" panose="020B0604020202020204" pitchFamily="34" charset="0"/>
+              </a:rPr>
+              <a:t> </a:t>
+            </a:r>
+            <a:r>
+              <a:rPr lang="es-MX" sz="1800" dirty="0">
+                <a:solidFill>
+                  <a:schemeClr val="bg2">
+                    <a:lumMod val="25000"/>
+                  </a:schemeClr>
+                </a:solidFill>
+                <a:highlight>
+                  <a:srgbClr val="FFFF00"/>
+                </a:highlight>
+                <a:latin typeface="Arial" panose="020B0604020202020204" pitchFamily="34" charset="0"/>
+                <a:cs typeface="Arial" panose="020B0604020202020204" pitchFamily="34" charset="0"/>
+              </a:rPr>
+              <a:t>{</a:t>
+            </a:r>
+            <a:r>
+              <a:rPr lang="es-MX" sz="1800" b="1" dirty="0">
+                <a:solidFill>
+                  <a:schemeClr val="accent5">
+                    <a:lumMod val="75000"/>
+                  </a:schemeClr>
+                </a:solidFill>
+                <a:highlight>
+                  <a:srgbClr val="FFFF00"/>
+                </a:highlight>
+                <a:latin typeface="Arial" panose="020B0604020202020204" pitchFamily="34" charset="0"/>
+                <a:cs typeface="Arial" panose="020B0604020202020204" pitchFamily="34" charset="0"/>
+              </a:rPr>
+              <a:t>Número | Nombre</a:t>
+            </a:r>
+            <a:r>
+              <a:rPr lang="es-MX" sz="1800" dirty="0">
+                <a:solidFill>
+                  <a:schemeClr val="bg2">
+                    <a:lumMod val="25000"/>
+                  </a:schemeClr>
+                </a:solidFill>
+                <a:highlight>
+                  <a:srgbClr val="FFFF00"/>
+                </a:highlight>
+                <a:latin typeface="Arial" panose="020B0604020202020204" pitchFamily="34" charset="0"/>
+                <a:cs typeface="Arial" panose="020B0604020202020204" pitchFamily="34" charset="0"/>
+              </a:rPr>
+              <a:t>} </a:t>
+            </a:r>
+            <a:r>
+              <a:rPr lang="es-MX" sz="1800" b="1" dirty="0">
+                <a:solidFill>
+                  <a:schemeClr val="bg2">
+                    <a:lumMod val="25000"/>
+                  </a:schemeClr>
+                </a:solidFill>
+                <a:highlight>
+                  <a:srgbClr val="FFFF00"/>
+                </a:highlight>
+                <a:latin typeface="Arial" panose="020B0604020202020204" pitchFamily="34" charset="0"/>
+                <a:cs typeface="Arial" panose="020B0604020202020204" pitchFamily="34" charset="0"/>
+              </a:rPr>
+              <a:t>pool</a:t>
+            </a:r>
+            <a:r>
+              <a:rPr lang="es-MX" sz="1800" dirty="0">
+                <a:solidFill>
+                  <a:schemeClr val="bg2">
+                    <a:lumMod val="25000"/>
+                  </a:schemeClr>
+                </a:solidFill>
+                <a:highlight>
+                  <a:srgbClr val="FFFF00"/>
+                </a:highlight>
+                <a:latin typeface="Arial" panose="020B0604020202020204" pitchFamily="34" charset="0"/>
+                <a:cs typeface="Arial" panose="020B0604020202020204" pitchFamily="34" charset="0"/>
+              </a:rPr>
+              <a:t> </a:t>
+            </a:r>
+            <a:r>
+              <a:rPr lang="es-MX" sz="1800" b="1" dirty="0">
+                <a:solidFill>
+                  <a:schemeClr val="accent5">
+                    <a:lumMod val="75000"/>
+                  </a:schemeClr>
+                </a:solidFill>
+                <a:highlight>
+                  <a:srgbClr val="FFFF00"/>
+                </a:highlight>
+                <a:latin typeface="Arial" panose="020B0604020202020204" pitchFamily="34" charset="0"/>
+                <a:cs typeface="Arial" panose="020B0604020202020204" pitchFamily="34" charset="0"/>
+              </a:rPr>
+              <a:t>NOMBRE </a:t>
+            </a:r>
+            <a:r>
+              <a:rPr lang="es-MX" sz="1800" b="1" dirty="0">
+                <a:solidFill>
+                  <a:schemeClr val="bg2">
+                    <a:lumMod val="25000"/>
+                  </a:schemeClr>
+                </a:solidFill>
+                <a:highlight>
+                  <a:srgbClr val="FFFF00"/>
+                </a:highlight>
+                <a:latin typeface="Arial" panose="020B0604020202020204" pitchFamily="34" charset="0"/>
+                <a:cs typeface="Arial" panose="020B0604020202020204" pitchFamily="34" charset="0"/>
+              </a:rPr>
+              <a:t>[</a:t>
+            </a:r>
+            <a:r>
+              <a:rPr lang="es-MX" sz="1800" b="1" dirty="0" err="1">
+                <a:solidFill>
+                  <a:schemeClr val="bg2">
+                    <a:lumMod val="25000"/>
+                  </a:schemeClr>
+                </a:solidFill>
+                <a:highlight>
+                  <a:srgbClr val="FFFF00"/>
+                </a:highlight>
+                <a:latin typeface="Arial" panose="020B0604020202020204" pitchFamily="34" charset="0"/>
+                <a:cs typeface="Arial" panose="020B0604020202020204" pitchFamily="34" charset="0"/>
+              </a:rPr>
+              <a:t>overload</a:t>
+            </a:r>
+            <a:r>
+              <a:rPr lang="es-MX" sz="1800" b="1" dirty="0">
+                <a:solidFill>
+                  <a:schemeClr val="bg2">
+                    <a:lumMod val="25000"/>
+                  </a:schemeClr>
+                </a:solidFill>
+                <a:highlight>
+                  <a:srgbClr val="FFFF00"/>
+                </a:highlight>
+                <a:latin typeface="Arial" panose="020B0604020202020204" pitchFamily="34" charset="0"/>
+                <a:cs typeface="Arial" panose="020B0604020202020204" pitchFamily="34" charset="0"/>
+              </a:rPr>
+              <a:t>] </a:t>
+            </a:r>
+            <a:r>
+              <a:rPr lang="es-MX" sz="1800" b="1" dirty="0">
+                <a:solidFill>
+                  <a:schemeClr val="bg2">
+                    <a:lumMod val="25000"/>
+                  </a:schemeClr>
+                </a:solidFill>
+                <a:latin typeface="Arial" panose="020B0604020202020204" pitchFamily="34" charset="0"/>
+                <a:cs typeface="Arial" panose="020B0604020202020204" pitchFamily="34" charset="0"/>
+              </a:rPr>
+              <a:t>| </a:t>
+            </a:r>
+            <a:r>
+              <a:rPr lang="es-MX" sz="1800" b="1" dirty="0" err="1">
+                <a:solidFill>
+                  <a:schemeClr val="bg2">
+                    <a:lumMod val="25000"/>
+                  </a:schemeClr>
+                </a:solidFill>
+                <a:highlight>
+                  <a:srgbClr val="00FF00"/>
+                </a:highlight>
+                <a:latin typeface="Arial" panose="020B0604020202020204" pitchFamily="34" charset="0"/>
+                <a:cs typeface="Arial" panose="020B0604020202020204" pitchFamily="34" charset="0"/>
+              </a:rPr>
+              <a:t>static</a:t>
+            </a:r>
+            <a:r>
+              <a:rPr lang="es-MX" sz="1800" b="1" dirty="0">
+                <a:solidFill>
+                  <a:schemeClr val="bg2">
+                    <a:lumMod val="25000"/>
+                  </a:schemeClr>
+                </a:solidFill>
+                <a:highlight>
+                  <a:srgbClr val="00FF00"/>
+                </a:highlight>
+                <a:latin typeface="Arial" panose="020B0604020202020204" pitchFamily="34" charset="0"/>
+                <a:cs typeface="Arial" panose="020B0604020202020204" pitchFamily="34" charset="0"/>
+              </a:rPr>
+              <a:t> </a:t>
+            </a:r>
+            <a:r>
+              <a:rPr lang="es-MX" sz="1800" dirty="0">
+                <a:solidFill>
+                  <a:schemeClr val="bg2">
+                    <a:lumMod val="25000"/>
+                  </a:schemeClr>
+                </a:solidFill>
+                <a:highlight>
+                  <a:srgbClr val="00FF00"/>
+                </a:highlight>
+                <a:latin typeface="Arial" panose="020B0604020202020204" pitchFamily="34" charset="0"/>
+                <a:cs typeface="Arial" panose="020B0604020202020204" pitchFamily="34" charset="0"/>
+              </a:rPr>
+              <a:t>IP-local IP-Global </a:t>
+            </a:r>
+            <a:r>
+              <a:rPr lang="es-MX" sz="1800" dirty="0">
+                <a:solidFill>
+                  <a:schemeClr val="bg2">
+                    <a:lumMod val="25000"/>
+                  </a:schemeClr>
+                </a:solidFill>
+                <a:latin typeface="Arial" panose="020B0604020202020204" pitchFamily="34" charset="0"/>
+                <a:cs typeface="Arial" panose="020B0604020202020204" pitchFamily="34" charset="0"/>
+              </a:rPr>
+              <a:t>}</a:t>
+            </a:r>
+          </a:p>
+          <a:p>
+            <a:pPr marL="342900" indent="-342900">
+              <a:lnSpc>
+                <a:spcPct val="150000"/>
+              </a:lnSpc>
+              <a:spcBef>
+                <a:spcPts val="1200"/>
+              </a:spcBef>
+              <a:buFont typeface="+mj-lt"/>
+              <a:buAutoNum type="arabicPeriod"/>
+            </a:pPr>
+            <a:r>
+              <a:rPr lang="es-MX" sz="1800" dirty="0">
+                <a:solidFill>
+                  <a:schemeClr val="bg2">
+                    <a:lumMod val="25000"/>
+                  </a:schemeClr>
+                </a:solidFill>
+                <a:latin typeface="Arial" panose="020B0604020202020204" pitchFamily="34" charset="0"/>
+                <a:cs typeface="Arial" panose="020B0604020202020204" pitchFamily="34" charset="0"/>
+              </a:rPr>
+              <a:t>Especificar las </a:t>
+            </a:r>
+            <a:r>
+              <a:rPr lang="es-MX" sz="1800" b="1" dirty="0">
+                <a:solidFill>
+                  <a:schemeClr val="bg2">
+                    <a:lumMod val="25000"/>
+                  </a:schemeClr>
+                </a:solidFill>
+                <a:latin typeface="Arial" panose="020B0604020202020204" pitchFamily="34" charset="0"/>
+                <a:cs typeface="Arial" panose="020B0604020202020204" pitchFamily="34" charset="0"/>
+              </a:rPr>
+              <a:t>interfaces interiores y exteriores</a:t>
+            </a:r>
+          </a:p>
+          <a:p>
+            <a:pPr lvl="1">
+              <a:lnSpc>
+                <a:spcPct val="150000"/>
+              </a:lnSpc>
+            </a:pPr>
+            <a:r>
+              <a:rPr lang="es-MX" sz="1800" b="1" dirty="0">
+                <a:solidFill>
+                  <a:schemeClr val="accent6">
+                    <a:lumMod val="75000"/>
+                  </a:schemeClr>
+                </a:solidFill>
+                <a:latin typeface="Arial" panose="020B0604020202020204" pitchFamily="34" charset="0"/>
+                <a:cs typeface="Arial" panose="020B0604020202020204" pitchFamily="34" charset="0"/>
+              </a:rPr>
+              <a:t>interface </a:t>
+            </a:r>
+            <a:r>
+              <a:rPr lang="es-MX" sz="1800" b="1" dirty="0">
+                <a:solidFill>
+                  <a:schemeClr val="accent5">
+                    <a:lumMod val="75000"/>
+                  </a:schemeClr>
+                </a:solidFill>
+                <a:latin typeface="Arial" panose="020B0604020202020204" pitchFamily="34" charset="0"/>
+                <a:cs typeface="Arial" panose="020B0604020202020204" pitchFamily="34" charset="0"/>
+              </a:rPr>
+              <a:t>Tipo-Número</a:t>
+            </a:r>
+          </a:p>
+          <a:p>
+            <a:pPr lvl="1">
+              <a:lnSpc>
+                <a:spcPct val="150000"/>
+              </a:lnSpc>
+            </a:pPr>
+            <a:r>
+              <a:rPr lang="es-MX" sz="1800" b="1" dirty="0" err="1">
+                <a:solidFill>
+                  <a:schemeClr val="bg2">
+                    <a:lumMod val="25000"/>
+                  </a:schemeClr>
+                </a:solidFill>
+                <a:latin typeface="Arial" panose="020B0604020202020204" pitchFamily="34" charset="0"/>
+                <a:cs typeface="Arial" panose="020B0604020202020204" pitchFamily="34" charset="0"/>
+              </a:rPr>
+              <a:t>ip</a:t>
+            </a:r>
+            <a:r>
+              <a:rPr lang="es-MX" sz="1800" b="1" dirty="0">
+                <a:solidFill>
+                  <a:schemeClr val="bg2">
+                    <a:lumMod val="25000"/>
+                  </a:schemeClr>
+                </a:solidFill>
+                <a:latin typeface="Arial" panose="020B0604020202020204" pitchFamily="34" charset="0"/>
+                <a:cs typeface="Arial" panose="020B0604020202020204" pitchFamily="34" charset="0"/>
+              </a:rPr>
+              <a:t> </a:t>
+            </a:r>
+            <a:r>
+              <a:rPr lang="es-MX" sz="1800" b="1" dirty="0" err="1">
+                <a:solidFill>
+                  <a:schemeClr val="bg2">
+                    <a:lumMod val="25000"/>
+                  </a:schemeClr>
+                </a:solidFill>
+                <a:latin typeface="Arial" panose="020B0604020202020204" pitchFamily="34" charset="0"/>
+                <a:cs typeface="Arial" panose="020B0604020202020204" pitchFamily="34" charset="0"/>
+              </a:rPr>
+              <a:t>nat</a:t>
+            </a:r>
+            <a:r>
+              <a:rPr lang="es-MX" sz="1800" b="1" dirty="0">
+                <a:solidFill>
+                  <a:schemeClr val="bg2">
+                    <a:lumMod val="25000"/>
+                  </a:schemeClr>
+                </a:solidFill>
+                <a:latin typeface="Arial" panose="020B0604020202020204" pitchFamily="34" charset="0"/>
+                <a:cs typeface="Arial" panose="020B0604020202020204" pitchFamily="34" charset="0"/>
+              </a:rPr>
+              <a:t> </a:t>
+            </a:r>
+            <a:r>
+              <a:rPr lang="es-MX" sz="1800" b="1" dirty="0" err="1">
+                <a:solidFill>
+                  <a:schemeClr val="bg2">
+                    <a:lumMod val="25000"/>
+                  </a:schemeClr>
+                </a:solidFill>
+                <a:latin typeface="Arial" panose="020B0604020202020204" pitchFamily="34" charset="0"/>
+                <a:cs typeface="Arial" panose="020B0604020202020204" pitchFamily="34" charset="0"/>
+              </a:rPr>
+              <a:t>inside</a:t>
+            </a:r>
+            <a:endParaRPr lang="es-MX" sz="1800" dirty="0">
+              <a:solidFill>
+                <a:schemeClr val="bg2">
+                  <a:lumMod val="25000"/>
+                </a:schemeClr>
+              </a:solidFill>
+              <a:latin typeface="Arial" panose="020B0604020202020204" pitchFamily="34" charset="0"/>
+              <a:cs typeface="Arial" panose="020B0604020202020204" pitchFamily="34" charset="0"/>
+            </a:endParaRPr>
+          </a:p>
+          <a:p>
+            <a:pPr lvl="1">
+              <a:lnSpc>
+                <a:spcPct val="150000"/>
+              </a:lnSpc>
+            </a:pPr>
+            <a:r>
+              <a:rPr lang="es-MX" sz="1800" b="1" dirty="0">
+                <a:solidFill>
+                  <a:schemeClr val="accent6">
+                    <a:lumMod val="75000"/>
+                  </a:schemeClr>
+                </a:solidFill>
+                <a:latin typeface="Arial" panose="020B0604020202020204" pitchFamily="34" charset="0"/>
+                <a:cs typeface="Arial" panose="020B0604020202020204" pitchFamily="34" charset="0"/>
+              </a:rPr>
+              <a:t>interface </a:t>
+            </a:r>
+            <a:r>
+              <a:rPr lang="es-MX" sz="1800" b="1" dirty="0">
+                <a:solidFill>
+                  <a:schemeClr val="accent5">
+                    <a:lumMod val="75000"/>
+                  </a:schemeClr>
+                </a:solidFill>
+                <a:latin typeface="Arial" panose="020B0604020202020204" pitchFamily="34" charset="0"/>
+                <a:cs typeface="Arial" panose="020B0604020202020204" pitchFamily="34" charset="0"/>
+              </a:rPr>
+              <a:t>Tipo-Número</a:t>
+            </a:r>
+          </a:p>
+          <a:p>
+            <a:pPr lvl="1">
+              <a:lnSpc>
+                <a:spcPct val="150000"/>
+              </a:lnSpc>
+            </a:pPr>
+            <a:r>
+              <a:rPr lang="es-MX" sz="1800" b="1" dirty="0" err="1">
+                <a:solidFill>
+                  <a:schemeClr val="bg2">
+                    <a:lumMod val="25000"/>
+                  </a:schemeClr>
+                </a:solidFill>
+                <a:latin typeface="Arial" panose="020B0604020202020204" pitchFamily="34" charset="0"/>
+                <a:cs typeface="Arial" panose="020B0604020202020204" pitchFamily="34" charset="0"/>
+              </a:rPr>
+              <a:t>ip</a:t>
+            </a:r>
+            <a:r>
+              <a:rPr lang="es-MX" sz="1800" b="1" dirty="0">
+                <a:solidFill>
+                  <a:schemeClr val="bg2">
+                    <a:lumMod val="25000"/>
+                  </a:schemeClr>
+                </a:solidFill>
+                <a:latin typeface="Arial" panose="020B0604020202020204" pitchFamily="34" charset="0"/>
+                <a:cs typeface="Arial" panose="020B0604020202020204" pitchFamily="34" charset="0"/>
+              </a:rPr>
+              <a:t> </a:t>
+            </a:r>
+            <a:r>
+              <a:rPr lang="es-MX" sz="1800" b="1" dirty="0" err="1">
+                <a:solidFill>
+                  <a:schemeClr val="bg2">
+                    <a:lumMod val="25000"/>
+                  </a:schemeClr>
+                </a:solidFill>
+                <a:latin typeface="Arial" panose="020B0604020202020204" pitchFamily="34" charset="0"/>
+                <a:cs typeface="Arial" panose="020B0604020202020204" pitchFamily="34" charset="0"/>
+              </a:rPr>
+              <a:t>nat</a:t>
+            </a:r>
+            <a:r>
+              <a:rPr lang="es-MX" sz="1800" b="1" dirty="0">
+                <a:solidFill>
+                  <a:schemeClr val="bg2">
+                    <a:lumMod val="25000"/>
+                  </a:schemeClr>
+                </a:solidFill>
+                <a:latin typeface="Arial" panose="020B0604020202020204" pitchFamily="34" charset="0"/>
+                <a:cs typeface="Arial" panose="020B0604020202020204" pitchFamily="34" charset="0"/>
+              </a:rPr>
+              <a:t> </a:t>
+            </a:r>
+            <a:r>
+              <a:rPr lang="es-MX" sz="1800" b="1" dirty="0" err="1">
+                <a:solidFill>
+                  <a:schemeClr val="bg2">
+                    <a:lumMod val="25000"/>
+                  </a:schemeClr>
+                </a:solidFill>
+                <a:latin typeface="Arial" panose="020B0604020202020204" pitchFamily="34" charset="0"/>
+                <a:cs typeface="Arial" panose="020B0604020202020204" pitchFamily="34" charset="0"/>
+              </a:rPr>
+              <a:t>outside</a:t>
+            </a:r>
+            <a:endParaRPr lang="es-MX" sz="1800" dirty="0">
+              <a:solidFill>
+                <a:schemeClr val="bg2">
+                  <a:lumMod val="25000"/>
+                </a:schemeClr>
+              </a:solidFill>
+              <a:latin typeface="Arial" panose="020B0604020202020204" pitchFamily="34" charset="0"/>
+              <a:cs typeface="Arial" panose="020B0604020202020204" pitchFamily="34" charset="0"/>
+            </a:endParaRPr>
+          </a:p>
+        </p:txBody>
+      </p:sp>
+      <p:sp>
+        <p:nvSpPr>
+          <p:cNvPr id="8" name="Rectangle 2"/>
+          <p:cNvSpPr txBox="1">
+            <a:spLocks noChangeArrowheads="1"/>
+          </p:cNvSpPr>
+          <p:nvPr/>
+        </p:nvSpPr>
+        <p:spPr>
+          <a:xfrm>
+            <a:off x="1524000" y="116889"/>
+            <a:ext cx="8892480" cy="1143000"/>
+          </a:xfrm>
+          <a:prstGeom prst="rect">
+            <a:avLst/>
+          </a:prstGeom>
+        </p:spPr>
+        <p:txBody>
+          <a:bodyPr vert="horz" lIns="92075" tIns="46038" rIns="92075" bIns="46038" rtlCol="0" anchor="ctr">
+            <a:noAutofit/>
+          </a:bodyPr>
+          <a:lstStyle>
+            <a:lvl1pPr algn="ctr" defTabSz="914400" rtl="0" eaLnBrk="1" latinLnBrk="0" hangingPunct="1">
+              <a:spcBef>
+                <a:spcPct val="0"/>
+              </a:spcBef>
+              <a:buNone/>
+              <a:defRPr sz="4400" kern="1200">
+                <a:solidFill>
+                  <a:schemeClr val="tx1"/>
+                </a:solidFill>
+                <a:latin typeface="+mj-lt"/>
+                <a:ea typeface="+mj-ea"/>
+                <a:cs typeface="+mj-cs"/>
+              </a:defRPr>
+            </a:lvl1pPr>
+          </a:lstStyle>
+          <a:p>
+            <a:pPr>
+              <a:defRPr/>
+            </a:pPr>
+            <a:r>
+              <a:rPr lang="es-ES_tradnl" sz="3200" dirty="0">
+                <a:solidFill>
+                  <a:srgbClr val="3333CC"/>
+                </a:solidFill>
+                <a:effectLst>
+                  <a:outerShdw blurRad="38100" dist="38100" dir="2700000" algn="tl">
+                    <a:srgbClr val="C0C0C0"/>
+                  </a:outerShdw>
+                </a:effectLst>
+                <a:latin typeface="Dom Casual" charset="0"/>
+              </a:rPr>
+              <a:t> </a:t>
+            </a:r>
+            <a:r>
+              <a:rPr lang="es-ES_tradnl" sz="3200" b="1" dirty="0">
+                <a:solidFill>
+                  <a:schemeClr val="accent4">
+                    <a:lumMod val="50000"/>
+                  </a:schemeClr>
+                </a:solidFill>
+                <a:effectLst>
+                  <a:outerShdw blurRad="38100" dist="38100" dir="2700000" algn="tl">
+                    <a:srgbClr val="C0C0C0"/>
+                  </a:outerShdw>
+                </a:effectLst>
+                <a:latin typeface="Dom Casual" charset="0"/>
+              </a:rPr>
+              <a:t>Configuración de NAT</a:t>
+            </a:r>
+          </a:p>
+        </p:txBody>
+      </p:sp>
+    </p:spTree>
+    <p:extLst>
+      <p:ext uri="{BB962C8B-B14F-4D97-AF65-F5344CB8AC3E}">
+        <p14:creationId xmlns:p14="http://schemas.microsoft.com/office/powerpoint/2010/main" val="568001589"/>
+      </p:ext>
+    </p:extLst>
+  </p:cSld>
+  <p:clrMapOvr>
+    <a:masterClrMapping/>
+  </p:clrMapOvr>
+  <p:timing>
+    <p:tnLst>
+      <p:par>
+        <p:cTn id="1" dur="indefinite" restart="never" nodeType="tmRoot">
+          <p:childTnLst>
+            <p:seq concurrent="1" nextAc="seek">
+              <p:cTn id="2" dur="indefinite" nodeType="mainSeq">
+                <p:childTnLst>
+                  <p:par>
+                    <p:cTn id="3" fill="hold">
+                      <p:stCondLst>
+                        <p:cond delay="indefinite"/>
+                      </p:stCondLst>
+                      <p:childTnLst>
+                        <p:par>
+                          <p:cTn id="4" fill="hold">
+                            <p:stCondLst>
+                              <p:cond delay="0"/>
+                            </p:stCondLst>
+                            <p:childTnLst>
+                              <p:par>
+                                <p:cTn id="5" presetID="1" presetClass="entr" presetSubtype="0" fill="hold" grpId="0" nodeType="clickEffect">
+                                  <p:stCondLst>
+                                    <p:cond delay="0"/>
+                                  </p:stCondLst>
+                                  <p:childTnLst>
+                                    <p:set>
+                                      <p:cBhvr>
+                                        <p:cTn id="6" dur="1" fill="hold">
+                                          <p:stCondLst>
+                                            <p:cond delay="0"/>
+                                          </p:stCondLst>
+                                        </p:cTn>
+                                        <p:tgtEl>
+                                          <p:spTgt spid="35845"/>
+                                        </p:tgtEl>
+                                        <p:attrNameLst>
+                                          <p:attrName>style.visibility</p:attrName>
+                                        </p:attrNameLst>
+                                      </p:cBhvr>
+                                      <p:to>
+                                        <p:strVal val="visible"/>
+                                      </p:to>
+                                    </p:set>
+                                  </p:childTnLst>
+                                </p:cTn>
+                              </p:par>
+                            </p:childTnLst>
+                          </p:cTn>
+                        </p:par>
+                      </p:childTnLst>
+                    </p:cTn>
+                  </p:par>
+                </p:childTnLst>
+              </p:cTn>
+              <p:prevCondLst>
+                <p:cond evt="onPrev" delay="0">
+                  <p:tgtEl>
+                    <p:sldTgt/>
+                  </p:tgtEl>
+                </p:cond>
+              </p:prevCondLst>
+              <p:nextCondLst>
+                <p:cond evt="onNext" delay="0">
+                  <p:tgtEl>
+                    <p:sldTgt/>
+                  </p:tgtEl>
+                </p:cond>
+              </p:nextCondLst>
+            </p:seq>
+          </p:childTnLst>
+        </p:cTn>
+      </p:par>
+    </p:tnLst>
+    <p:bldLst>
+      <p:bldP spid="35845" grpId="0"/>
+    </p:bldLst>
+  </p:timing>
 </p:sld>
 </file>
 

--- a/Calendario2021/Ejercicios/Ejercicio15/Ejer15_VLANs_DHCP_NAT_PAT.pptx
+++ b/Calendario2021/Ejercicios/Ejercicio15/Ejer15_VLANs_DHCP_NAT_PAT.pptx
@@ -757,7 +757,7 @@
           <a:p>
             <a:fld id="{1D8BD707-D9CF-40AE-B4C6-C98DA3205C09}" type="datetimeFigureOut">
               <a:rPr lang="en-US"/>
-              <a:t>5/11/2021</a:t>
+              <a:t>5/13/2021</a:t>
             </a:fld>
             <a:endParaRPr lang="en-US" dirty="0"/>
           </a:p>
@@ -934,7 +934,7 @@
           <a:p>
             <a:fld id="{1D8BD707-D9CF-40AE-B4C6-C98DA3205C09}" type="datetimeFigureOut">
               <a:rPr lang="en-US"/>
-              <a:t>5/11/2021</a:t>
+              <a:t>5/13/2021</a:t>
             </a:fld>
             <a:endParaRPr lang="en-US" dirty="0"/>
           </a:p>
@@ -1148,7 +1148,7 @@
           <a:p>
             <a:fld id="{1D8BD707-D9CF-40AE-B4C6-C98DA3205C09}" type="datetimeFigureOut">
               <a:rPr lang="en-US"/>
-              <a:t>5/11/2021</a:t>
+              <a:t>5/13/2021</a:t>
             </a:fld>
             <a:endParaRPr lang="en-US" dirty="0"/>
           </a:p>
@@ -1296,7 +1296,7 @@
           <a:p>
             <a:fld id="{1D8BD707-D9CF-40AE-B4C6-C98DA3205C09}" type="datetimeFigureOut">
               <a:rPr lang="en-US"/>
-              <a:t>5/11/2021</a:t>
+              <a:t>5/13/2021</a:t>
             </a:fld>
             <a:endParaRPr lang="en-US" dirty="0"/>
           </a:p>
@@ -1452,7 +1452,7 @@
           <a:p>
             <a:fld id="{1D8BD707-D9CF-40AE-B4C6-C98DA3205C09}" type="datetimeFigureOut">
               <a:rPr lang="en-US"/>
-              <a:t>5/11/2021</a:t>
+              <a:t>5/13/2021</a:t>
             </a:fld>
             <a:endParaRPr lang="en-US" dirty="0"/>
           </a:p>
@@ -1537,7 +1537,7 @@
           <a:p>
             <a:fld id="{5E75A0DC-66C6-4CEC-A5EB-F8C97CEC3796}" type="datetimeFigureOut">
               <a:rPr lang="es-MX" smtClean="0"/>
-              <a:t>11/05/2021</a:t>
+              <a:t>13/05/2021</a:t>
             </a:fld>
             <a:endParaRPr lang="es-MX" dirty="0"/>
           </a:p>
@@ -1787,7 +1787,7 @@
           <a:p>
             <a:fld id="{1D8BD707-D9CF-40AE-B4C6-C98DA3205C09}" type="datetimeFigureOut">
               <a:rPr lang="en-US"/>
-              <a:t>5/11/2021</a:t>
+              <a:t>5/13/2021</a:t>
             </a:fld>
             <a:endParaRPr lang="en-US" dirty="0"/>
           </a:p>

--- a/Calendario2021/Ejercicios/Ejercicio15/Ejer15_VLANs_DHCP_NAT_PAT.pptx
+++ b/Calendario2021/Ejercicios/Ejercicio15/Ejer15_VLANs_DHCP_NAT_PAT.pptx
@@ -11905,10 +11905,10 @@
               <a:t>-final </a:t>
             </a:r>
             <a:r>
-              <a:rPr lang="es-MX" sz="1800" dirty="0" err="1">
-                <a:solidFill>
-                  <a:schemeClr val="bg2">
-                    <a:lumMod val="25000"/>
+              <a:rPr lang="es-MX" sz="1800" b="1" dirty="0" err="1">
+                <a:solidFill>
+                  <a:schemeClr val="accent6">
+                    <a:lumMod val="75000"/>
                   </a:schemeClr>
                 </a:solidFill>
                 <a:latin typeface="Arial" panose="020B0604020202020204" pitchFamily="34" charset="0"/>
@@ -12041,10 +12041,10 @@
               <a:t>Número </a:t>
             </a:r>
             <a:r>
-              <a:rPr lang="es-MX" sz="1800" dirty="0" err="1">
-                <a:solidFill>
-                  <a:schemeClr val="bg2">
-                    <a:lumMod val="25000"/>
+              <a:rPr lang="es-MX" sz="1800" b="1" dirty="0" err="1">
+                <a:solidFill>
+                  <a:schemeClr val="accent6">
+                    <a:lumMod val="75000"/>
                   </a:schemeClr>
                 </a:solidFill>
                 <a:latin typeface="Arial" panose="020B0604020202020204" pitchFamily="34" charset="0"/>
@@ -12053,10 +12053,10 @@
               <a:t>permit</a:t>
             </a:r>
             <a:r>
-              <a:rPr lang="es-MX" sz="1800" dirty="0">
-                <a:solidFill>
-                  <a:schemeClr val="bg2">
-                    <a:lumMod val="25000"/>
+              <a:rPr lang="es-MX" sz="1800" b="1" dirty="0">
+                <a:solidFill>
+                  <a:schemeClr val="accent6">
+                    <a:lumMod val="75000"/>
                   </a:schemeClr>
                 </a:solidFill>
                 <a:latin typeface="Arial" panose="020B0604020202020204" pitchFamily="34" charset="0"/>
